--- a/ShapeShop.pptx
+++ b/ShapeShop.pptx
@@ -6,6 +6,7 @@
   </p:sldMasterIdLst>
   <p:sldIdLst>
     <p:sldId id="256" r:id="rId2"/>
+    <p:sldId id="257" r:id="rId3"/>
   </p:sldIdLst>
   <p:sldSz cx="12192000" cy="6858000"/>
   <p:notesSz cx="6858000" cy="9144000"/>
@@ -104,6 +105,11 @@
       </a:defRPr>
     </a:lvl9pPr>
   </p:defaultTextStyle>
+  <p:extLst>
+    <p:ext uri="{EFAFB233-063F-42B5-8137-9DF3F51BA10A}">
+      <p15:sldGuideLst xmlns:p15="http://schemas.microsoft.com/office/powerpoint/2012/main"/>
+    </p:ext>
+  </p:extLst>
 </p:presentation>
 </file>
 
@@ -149,10 +155,9 @@
           </a:lstStyle>
           <a:p>
             <a:r>
-              <a:rPr lang="de-DE" smtClean="0"/>
+              <a:rPr lang="de-DE"/>
               <a:t>Titelmasterformat durch Klicken bearbeiten</a:t>
             </a:r>
-            <a:endParaRPr lang="de-DE"/>
           </a:p>
         </p:txBody>
       </p:sp>
@@ -214,10 +219,9 @@
           </a:lstStyle>
           <a:p>
             <a:r>
-              <a:rPr lang="de-DE" smtClean="0"/>
+              <a:rPr lang="de-DE"/>
               <a:t>Formatvorlage des Untertitelmasters durch Klicken bearbeiten</a:t>
             </a:r>
-            <a:endParaRPr lang="de-DE"/>
           </a:p>
         </p:txBody>
       </p:sp>
@@ -238,7 +242,7 @@
           <a:p>
             <a:fld id="{BF307E29-D126-4117-8557-4ECD04A9B3AA}" type="datetimeFigureOut">
               <a:rPr lang="de-DE" smtClean="0"/>
-              <a:t>05.04.2021</a:t>
+              <a:t>03.11.2022</a:t>
             </a:fld>
             <a:endParaRPr lang="de-DE"/>
           </a:p>
@@ -280,7 +284,7 @@
           <a:p>
             <a:fld id="{CD7ACBBC-4B75-4580-A237-A98A1158EDF7}" type="slidenum">
               <a:rPr lang="de-DE" smtClean="0"/>
-              <a:t>‹Nr.›</a:t>
+              <a:t>‹#›</a:t>
             </a:fld>
             <a:endParaRPr lang="de-DE"/>
           </a:p>
@@ -332,10 +336,9 @@
           <a:lstStyle/>
           <a:p>
             <a:r>
-              <a:rPr lang="de-DE" smtClean="0"/>
+              <a:rPr lang="de-DE"/>
               <a:t>Titelmasterformat durch Klicken bearbeiten</a:t>
             </a:r>
-            <a:endParaRPr lang="de-DE"/>
           </a:p>
         </p:txBody>
       </p:sp>
@@ -356,38 +359,37 @@
           <a:p>
             <a:pPr lvl="0"/>
             <a:r>
-              <a:rPr lang="de-DE" smtClean="0"/>
+              <a:rPr lang="de-DE"/>
               <a:t>Formatvorlagen des Textmasters bearbeiten</a:t>
             </a:r>
           </a:p>
           <a:p>
             <a:pPr lvl="1"/>
             <a:r>
-              <a:rPr lang="de-DE" smtClean="0"/>
+              <a:rPr lang="de-DE"/>
               <a:t>Zweite Ebene</a:t>
             </a:r>
           </a:p>
           <a:p>
             <a:pPr lvl="2"/>
             <a:r>
-              <a:rPr lang="de-DE" smtClean="0"/>
+              <a:rPr lang="de-DE"/>
               <a:t>Dritte Ebene</a:t>
             </a:r>
           </a:p>
           <a:p>
             <a:pPr lvl="3"/>
             <a:r>
-              <a:rPr lang="de-DE" smtClean="0"/>
+              <a:rPr lang="de-DE"/>
               <a:t>Vierte Ebene</a:t>
             </a:r>
           </a:p>
           <a:p>
             <a:pPr lvl="4"/>
             <a:r>
-              <a:rPr lang="de-DE" smtClean="0"/>
+              <a:rPr lang="de-DE"/>
               <a:t>Fünfte Ebene</a:t>
             </a:r>
-            <a:endParaRPr lang="de-DE"/>
           </a:p>
         </p:txBody>
       </p:sp>
@@ -408,7 +410,7 @@
           <a:p>
             <a:fld id="{BF307E29-D126-4117-8557-4ECD04A9B3AA}" type="datetimeFigureOut">
               <a:rPr lang="de-DE" smtClean="0"/>
-              <a:t>05.04.2021</a:t>
+              <a:t>03.11.2022</a:t>
             </a:fld>
             <a:endParaRPr lang="de-DE"/>
           </a:p>
@@ -450,7 +452,7 @@
           <a:p>
             <a:fld id="{CD7ACBBC-4B75-4580-A237-A98A1158EDF7}" type="slidenum">
               <a:rPr lang="de-DE" smtClean="0"/>
-              <a:t>‹Nr.›</a:t>
+              <a:t>‹#›</a:t>
             </a:fld>
             <a:endParaRPr lang="de-DE"/>
           </a:p>
@@ -507,10 +509,9 @@
           <a:lstStyle/>
           <a:p>
             <a:r>
-              <a:rPr lang="de-DE" smtClean="0"/>
+              <a:rPr lang="de-DE"/>
               <a:t>Titelmasterformat durch Klicken bearbeiten</a:t>
             </a:r>
-            <a:endParaRPr lang="de-DE"/>
           </a:p>
         </p:txBody>
       </p:sp>
@@ -536,38 +537,37 @@
           <a:p>
             <a:pPr lvl="0"/>
             <a:r>
-              <a:rPr lang="de-DE" smtClean="0"/>
+              <a:rPr lang="de-DE"/>
               <a:t>Formatvorlagen des Textmasters bearbeiten</a:t>
             </a:r>
           </a:p>
           <a:p>
             <a:pPr lvl="1"/>
             <a:r>
-              <a:rPr lang="de-DE" smtClean="0"/>
+              <a:rPr lang="de-DE"/>
               <a:t>Zweite Ebene</a:t>
             </a:r>
           </a:p>
           <a:p>
             <a:pPr lvl="2"/>
             <a:r>
-              <a:rPr lang="de-DE" smtClean="0"/>
+              <a:rPr lang="de-DE"/>
               <a:t>Dritte Ebene</a:t>
             </a:r>
           </a:p>
           <a:p>
             <a:pPr lvl="3"/>
             <a:r>
-              <a:rPr lang="de-DE" smtClean="0"/>
+              <a:rPr lang="de-DE"/>
               <a:t>Vierte Ebene</a:t>
             </a:r>
           </a:p>
           <a:p>
             <a:pPr lvl="4"/>
             <a:r>
-              <a:rPr lang="de-DE" smtClean="0"/>
+              <a:rPr lang="de-DE"/>
               <a:t>Fünfte Ebene</a:t>
             </a:r>
-            <a:endParaRPr lang="de-DE"/>
           </a:p>
         </p:txBody>
       </p:sp>
@@ -588,7 +588,7 @@
           <a:p>
             <a:fld id="{BF307E29-D126-4117-8557-4ECD04A9B3AA}" type="datetimeFigureOut">
               <a:rPr lang="de-DE" smtClean="0"/>
-              <a:t>05.04.2021</a:t>
+              <a:t>03.11.2022</a:t>
             </a:fld>
             <a:endParaRPr lang="de-DE"/>
           </a:p>
@@ -630,7 +630,7 @@
           <a:p>
             <a:fld id="{CD7ACBBC-4B75-4580-A237-A98A1158EDF7}" type="slidenum">
               <a:rPr lang="de-DE" smtClean="0"/>
-              <a:t>‹Nr.›</a:t>
+              <a:t>‹#›</a:t>
             </a:fld>
             <a:endParaRPr lang="de-DE"/>
           </a:p>
@@ -682,10 +682,9 @@
           <a:lstStyle/>
           <a:p>
             <a:r>
-              <a:rPr lang="de-DE" smtClean="0"/>
+              <a:rPr lang="de-DE"/>
               <a:t>Titelmasterformat durch Klicken bearbeiten</a:t>
             </a:r>
-            <a:endParaRPr lang="de-DE"/>
           </a:p>
         </p:txBody>
       </p:sp>
@@ -706,38 +705,37 @@
           <a:p>
             <a:pPr lvl="0"/>
             <a:r>
-              <a:rPr lang="de-DE" smtClean="0"/>
+              <a:rPr lang="de-DE"/>
               <a:t>Formatvorlagen des Textmasters bearbeiten</a:t>
             </a:r>
           </a:p>
           <a:p>
             <a:pPr lvl="1"/>
             <a:r>
-              <a:rPr lang="de-DE" smtClean="0"/>
+              <a:rPr lang="de-DE"/>
               <a:t>Zweite Ebene</a:t>
             </a:r>
           </a:p>
           <a:p>
             <a:pPr lvl="2"/>
             <a:r>
-              <a:rPr lang="de-DE" smtClean="0"/>
+              <a:rPr lang="de-DE"/>
               <a:t>Dritte Ebene</a:t>
             </a:r>
           </a:p>
           <a:p>
             <a:pPr lvl="3"/>
             <a:r>
-              <a:rPr lang="de-DE" smtClean="0"/>
+              <a:rPr lang="de-DE"/>
               <a:t>Vierte Ebene</a:t>
             </a:r>
           </a:p>
           <a:p>
             <a:pPr lvl="4"/>
             <a:r>
-              <a:rPr lang="de-DE" smtClean="0"/>
+              <a:rPr lang="de-DE"/>
               <a:t>Fünfte Ebene</a:t>
             </a:r>
-            <a:endParaRPr lang="de-DE"/>
           </a:p>
         </p:txBody>
       </p:sp>
@@ -758,7 +756,7 @@
           <a:p>
             <a:fld id="{BF307E29-D126-4117-8557-4ECD04A9B3AA}" type="datetimeFigureOut">
               <a:rPr lang="de-DE" smtClean="0"/>
-              <a:t>05.04.2021</a:t>
+              <a:t>03.11.2022</a:t>
             </a:fld>
             <a:endParaRPr lang="de-DE"/>
           </a:p>
@@ -800,7 +798,7 @@
           <a:p>
             <a:fld id="{CD7ACBBC-4B75-4580-A237-A98A1158EDF7}" type="slidenum">
               <a:rPr lang="de-DE" smtClean="0"/>
-              <a:t>‹Nr.›</a:t>
+              <a:t>‹#›</a:t>
             </a:fld>
             <a:endParaRPr lang="de-DE"/>
           </a:p>
@@ -861,10 +859,9 @@
           </a:lstStyle>
           <a:p>
             <a:r>
-              <a:rPr lang="de-DE" smtClean="0"/>
+              <a:rPr lang="de-DE"/>
               <a:t>Titelmasterformat durch Klicken bearbeiten</a:t>
             </a:r>
-            <a:endParaRPr lang="de-DE"/>
           </a:p>
         </p:txBody>
       </p:sp>
@@ -981,7 +978,7 @@
           <a:p>
             <a:pPr lvl="0"/>
             <a:r>
-              <a:rPr lang="de-DE" smtClean="0"/>
+              <a:rPr lang="de-DE"/>
               <a:t>Formatvorlagen des Textmasters bearbeiten</a:t>
             </a:r>
           </a:p>
@@ -1004,7 +1001,7 @@
           <a:p>
             <a:fld id="{BF307E29-D126-4117-8557-4ECD04A9B3AA}" type="datetimeFigureOut">
               <a:rPr lang="de-DE" smtClean="0"/>
-              <a:t>05.04.2021</a:t>
+              <a:t>03.11.2022</a:t>
             </a:fld>
             <a:endParaRPr lang="de-DE"/>
           </a:p>
@@ -1046,7 +1043,7 @@
           <a:p>
             <a:fld id="{CD7ACBBC-4B75-4580-A237-A98A1158EDF7}" type="slidenum">
               <a:rPr lang="de-DE" smtClean="0"/>
-              <a:t>‹Nr.›</a:t>
+              <a:t>‹#›</a:t>
             </a:fld>
             <a:endParaRPr lang="de-DE"/>
           </a:p>
@@ -1098,10 +1095,9 @@
           <a:lstStyle/>
           <a:p>
             <a:r>
-              <a:rPr lang="de-DE" smtClean="0"/>
+              <a:rPr lang="de-DE"/>
               <a:t>Titelmasterformat durch Klicken bearbeiten</a:t>
             </a:r>
-            <a:endParaRPr lang="de-DE"/>
           </a:p>
         </p:txBody>
       </p:sp>
@@ -1127,38 +1123,37 @@
           <a:p>
             <a:pPr lvl="0"/>
             <a:r>
-              <a:rPr lang="de-DE" smtClean="0"/>
+              <a:rPr lang="de-DE"/>
               <a:t>Formatvorlagen des Textmasters bearbeiten</a:t>
             </a:r>
           </a:p>
           <a:p>
             <a:pPr lvl="1"/>
             <a:r>
-              <a:rPr lang="de-DE" smtClean="0"/>
+              <a:rPr lang="de-DE"/>
               <a:t>Zweite Ebene</a:t>
             </a:r>
           </a:p>
           <a:p>
             <a:pPr lvl="2"/>
             <a:r>
-              <a:rPr lang="de-DE" smtClean="0"/>
+              <a:rPr lang="de-DE"/>
               <a:t>Dritte Ebene</a:t>
             </a:r>
           </a:p>
           <a:p>
             <a:pPr lvl="3"/>
             <a:r>
-              <a:rPr lang="de-DE" smtClean="0"/>
+              <a:rPr lang="de-DE"/>
               <a:t>Vierte Ebene</a:t>
             </a:r>
           </a:p>
           <a:p>
             <a:pPr lvl="4"/>
             <a:r>
-              <a:rPr lang="de-DE" smtClean="0"/>
+              <a:rPr lang="de-DE"/>
               <a:t>Fünfte Ebene</a:t>
             </a:r>
-            <a:endParaRPr lang="de-DE"/>
           </a:p>
         </p:txBody>
       </p:sp>
@@ -1184,38 +1179,37 @@
           <a:p>
             <a:pPr lvl="0"/>
             <a:r>
-              <a:rPr lang="de-DE" smtClean="0"/>
+              <a:rPr lang="de-DE"/>
               <a:t>Formatvorlagen des Textmasters bearbeiten</a:t>
             </a:r>
           </a:p>
           <a:p>
             <a:pPr lvl="1"/>
             <a:r>
-              <a:rPr lang="de-DE" smtClean="0"/>
+              <a:rPr lang="de-DE"/>
               <a:t>Zweite Ebene</a:t>
             </a:r>
           </a:p>
           <a:p>
             <a:pPr lvl="2"/>
             <a:r>
-              <a:rPr lang="de-DE" smtClean="0"/>
+              <a:rPr lang="de-DE"/>
               <a:t>Dritte Ebene</a:t>
             </a:r>
           </a:p>
           <a:p>
             <a:pPr lvl="3"/>
             <a:r>
-              <a:rPr lang="de-DE" smtClean="0"/>
+              <a:rPr lang="de-DE"/>
               <a:t>Vierte Ebene</a:t>
             </a:r>
           </a:p>
           <a:p>
             <a:pPr lvl="4"/>
             <a:r>
-              <a:rPr lang="de-DE" smtClean="0"/>
+              <a:rPr lang="de-DE"/>
               <a:t>Fünfte Ebene</a:t>
             </a:r>
-            <a:endParaRPr lang="de-DE"/>
           </a:p>
         </p:txBody>
       </p:sp>
@@ -1236,7 +1230,7 @@
           <a:p>
             <a:fld id="{BF307E29-D126-4117-8557-4ECD04A9B3AA}" type="datetimeFigureOut">
               <a:rPr lang="de-DE" smtClean="0"/>
-              <a:t>05.04.2021</a:t>
+              <a:t>03.11.2022</a:t>
             </a:fld>
             <a:endParaRPr lang="de-DE"/>
           </a:p>
@@ -1278,7 +1272,7 @@
           <a:p>
             <a:fld id="{CD7ACBBC-4B75-4580-A237-A98A1158EDF7}" type="slidenum">
               <a:rPr lang="de-DE" smtClean="0"/>
-              <a:t>‹Nr.›</a:t>
+              <a:t>‹#›</a:t>
             </a:fld>
             <a:endParaRPr lang="de-DE"/>
           </a:p>
@@ -1335,10 +1329,9 @@
           <a:lstStyle/>
           <a:p>
             <a:r>
-              <a:rPr lang="de-DE" smtClean="0"/>
+              <a:rPr lang="de-DE"/>
               <a:t>Titelmasterformat durch Klicken bearbeiten</a:t>
             </a:r>
-            <a:endParaRPr lang="de-DE"/>
           </a:p>
         </p:txBody>
       </p:sp>
@@ -1401,7 +1394,7 @@
           <a:p>
             <a:pPr lvl="0"/>
             <a:r>
-              <a:rPr lang="de-DE" smtClean="0"/>
+              <a:rPr lang="de-DE"/>
               <a:t>Formatvorlagen des Textmasters bearbeiten</a:t>
             </a:r>
           </a:p>
@@ -1429,38 +1422,37 @@
           <a:p>
             <a:pPr lvl="0"/>
             <a:r>
-              <a:rPr lang="de-DE" smtClean="0"/>
+              <a:rPr lang="de-DE"/>
               <a:t>Formatvorlagen des Textmasters bearbeiten</a:t>
             </a:r>
           </a:p>
           <a:p>
             <a:pPr lvl="1"/>
             <a:r>
-              <a:rPr lang="de-DE" smtClean="0"/>
+              <a:rPr lang="de-DE"/>
               <a:t>Zweite Ebene</a:t>
             </a:r>
           </a:p>
           <a:p>
             <a:pPr lvl="2"/>
             <a:r>
-              <a:rPr lang="de-DE" smtClean="0"/>
+              <a:rPr lang="de-DE"/>
               <a:t>Dritte Ebene</a:t>
             </a:r>
           </a:p>
           <a:p>
             <a:pPr lvl="3"/>
             <a:r>
-              <a:rPr lang="de-DE" smtClean="0"/>
+              <a:rPr lang="de-DE"/>
               <a:t>Vierte Ebene</a:t>
             </a:r>
           </a:p>
           <a:p>
             <a:pPr lvl="4"/>
             <a:r>
-              <a:rPr lang="de-DE" smtClean="0"/>
+              <a:rPr lang="de-DE"/>
               <a:t>Fünfte Ebene</a:t>
             </a:r>
-            <a:endParaRPr lang="de-DE"/>
           </a:p>
         </p:txBody>
       </p:sp>
@@ -1523,7 +1515,7 @@
           <a:p>
             <a:pPr lvl="0"/>
             <a:r>
-              <a:rPr lang="de-DE" smtClean="0"/>
+              <a:rPr lang="de-DE"/>
               <a:t>Formatvorlagen des Textmasters bearbeiten</a:t>
             </a:r>
           </a:p>
@@ -1551,38 +1543,37 @@
           <a:p>
             <a:pPr lvl="0"/>
             <a:r>
-              <a:rPr lang="de-DE" smtClean="0"/>
+              <a:rPr lang="de-DE"/>
               <a:t>Formatvorlagen des Textmasters bearbeiten</a:t>
             </a:r>
           </a:p>
           <a:p>
             <a:pPr lvl="1"/>
             <a:r>
-              <a:rPr lang="de-DE" smtClean="0"/>
+              <a:rPr lang="de-DE"/>
               <a:t>Zweite Ebene</a:t>
             </a:r>
           </a:p>
           <a:p>
             <a:pPr lvl="2"/>
             <a:r>
-              <a:rPr lang="de-DE" smtClean="0"/>
+              <a:rPr lang="de-DE"/>
               <a:t>Dritte Ebene</a:t>
             </a:r>
           </a:p>
           <a:p>
             <a:pPr lvl="3"/>
             <a:r>
-              <a:rPr lang="de-DE" smtClean="0"/>
+              <a:rPr lang="de-DE"/>
               <a:t>Vierte Ebene</a:t>
             </a:r>
           </a:p>
           <a:p>
             <a:pPr lvl="4"/>
             <a:r>
-              <a:rPr lang="de-DE" smtClean="0"/>
+              <a:rPr lang="de-DE"/>
               <a:t>Fünfte Ebene</a:t>
             </a:r>
-            <a:endParaRPr lang="de-DE"/>
           </a:p>
         </p:txBody>
       </p:sp>
@@ -1603,7 +1594,7 @@
           <a:p>
             <a:fld id="{BF307E29-D126-4117-8557-4ECD04A9B3AA}" type="datetimeFigureOut">
               <a:rPr lang="de-DE" smtClean="0"/>
-              <a:t>05.04.2021</a:t>
+              <a:t>03.11.2022</a:t>
             </a:fld>
             <a:endParaRPr lang="de-DE"/>
           </a:p>
@@ -1645,7 +1636,7 @@
           <a:p>
             <a:fld id="{CD7ACBBC-4B75-4580-A237-A98A1158EDF7}" type="slidenum">
               <a:rPr lang="de-DE" smtClean="0"/>
-              <a:t>‹Nr.›</a:t>
+              <a:t>‹#›</a:t>
             </a:fld>
             <a:endParaRPr lang="de-DE"/>
           </a:p>
@@ -1697,10 +1688,9 @@
           <a:lstStyle/>
           <a:p>
             <a:r>
-              <a:rPr lang="de-DE" smtClean="0"/>
+              <a:rPr lang="de-DE"/>
               <a:t>Titelmasterformat durch Klicken bearbeiten</a:t>
             </a:r>
-            <a:endParaRPr lang="de-DE"/>
           </a:p>
         </p:txBody>
       </p:sp>
@@ -1721,7 +1711,7 @@
           <a:p>
             <a:fld id="{BF307E29-D126-4117-8557-4ECD04A9B3AA}" type="datetimeFigureOut">
               <a:rPr lang="de-DE" smtClean="0"/>
-              <a:t>05.04.2021</a:t>
+              <a:t>03.11.2022</a:t>
             </a:fld>
             <a:endParaRPr lang="de-DE"/>
           </a:p>
@@ -1763,7 +1753,7 @@
           <a:p>
             <a:fld id="{CD7ACBBC-4B75-4580-A237-A98A1158EDF7}" type="slidenum">
               <a:rPr lang="de-DE" smtClean="0"/>
-              <a:t>‹Nr.›</a:t>
+              <a:t>‹#›</a:t>
             </a:fld>
             <a:endParaRPr lang="de-DE"/>
           </a:p>
@@ -1816,7 +1806,7 @@
           <a:p>
             <a:fld id="{BF307E29-D126-4117-8557-4ECD04A9B3AA}" type="datetimeFigureOut">
               <a:rPr lang="de-DE" smtClean="0"/>
-              <a:t>05.04.2021</a:t>
+              <a:t>03.11.2022</a:t>
             </a:fld>
             <a:endParaRPr lang="de-DE"/>
           </a:p>
@@ -1858,7 +1848,7 @@
           <a:p>
             <a:fld id="{CD7ACBBC-4B75-4580-A237-A98A1158EDF7}" type="slidenum">
               <a:rPr lang="de-DE" smtClean="0"/>
-              <a:t>‹Nr.›</a:t>
+              <a:t>‹#›</a:t>
             </a:fld>
             <a:endParaRPr lang="de-DE"/>
           </a:p>
@@ -1919,10 +1909,9 @@
           </a:lstStyle>
           <a:p>
             <a:r>
-              <a:rPr lang="de-DE" smtClean="0"/>
+              <a:rPr lang="de-DE"/>
               <a:t>Titelmasterformat durch Klicken bearbeiten</a:t>
             </a:r>
-            <a:endParaRPr lang="de-DE"/>
           </a:p>
         </p:txBody>
       </p:sp>
@@ -1976,38 +1965,37 @@
           <a:p>
             <a:pPr lvl="0"/>
             <a:r>
-              <a:rPr lang="de-DE" smtClean="0"/>
+              <a:rPr lang="de-DE"/>
               <a:t>Formatvorlagen des Textmasters bearbeiten</a:t>
             </a:r>
           </a:p>
           <a:p>
             <a:pPr lvl="1"/>
             <a:r>
-              <a:rPr lang="de-DE" smtClean="0"/>
+              <a:rPr lang="de-DE"/>
               <a:t>Zweite Ebene</a:t>
             </a:r>
           </a:p>
           <a:p>
             <a:pPr lvl="2"/>
             <a:r>
-              <a:rPr lang="de-DE" smtClean="0"/>
+              <a:rPr lang="de-DE"/>
               <a:t>Dritte Ebene</a:t>
             </a:r>
           </a:p>
           <a:p>
             <a:pPr lvl="3"/>
             <a:r>
-              <a:rPr lang="de-DE" smtClean="0"/>
+              <a:rPr lang="de-DE"/>
               <a:t>Vierte Ebene</a:t>
             </a:r>
           </a:p>
           <a:p>
             <a:pPr lvl="4"/>
             <a:r>
-              <a:rPr lang="de-DE" smtClean="0"/>
+              <a:rPr lang="de-DE"/>
               <a:t>Fünfte Ebene</a:t>
             </a:r>
-            <a:endParaRPr lang="de-DE"/>
           </a:p>
         </p:txBody>
       </p:sp>
@@ -2070,7 +2058,7 @@
           <a:p>
             <a:pPr lvl="0"/>
             <a:r>
-              <a:rPr lang="de-DE" smtClean="0"/>
+              <a:rPr lang="de-DE"/>
               <a:t>Formatvorlagen des Textmasters bearbeiten</a:t>
             </a:r>
           </a:p>
@@ -2093,7 +2081,7 @@
           <a:p>
             <a:fld id="{BF307E29-D126-4117-8557-4ECD04A9B3AA}" type="datetimeFigureOut">
               <a:rPr lang="de-DE" smtClean="0"/>
-              <a:t>05.04.2021</a:t>
+              <a:t>03.11.2022</a:t>
             </a:fld>
             <a:endParaRPr lang="de-DE"/>
           </a:p>
@@ -2135,7 +2123,7 @@
           <a:p>
             <a:fld id="{CD7ACBBC-4B75-4580-A237-A98A1158EDF7}" type="slidenum">
               <a:rPr lang="de-DE" smtClean="0"/>
-              <a:t>‹Nr.›</a:t>
+              <a:t>‹#›</a:t>
             </a:fld>
             <a:endParaRPr lang="de-DE"/>
           </a:p>
@@ -2196,10 +2184,9 @@
           </a:lstStyle>
           <a:p>
             <a:r>
-              <a:rPr lang="de-DE" smtClean="0"/>
+              <a:rPr lang="de-DE"/>
               <a:t>Titelmasterformat durch Klicken bearbeiten</a:t>
             </a:r>
-            <a:endParaRPr lang="de-DE"/>
           </a:p>
         </p:txBody>
       </p:sp>
@@ -2323,7 +2310,7 @@
           <a:p>
             <a:pPr lvl="0"/>
             <a:r>
-              <a:rPr lang="de-DE" smtClean="0"/>
+              <a:rPr lang="de-DE"/>
               <a:t>Formatvorlagen des Textmasters bearbeiten</a:t>
             </a:r>
           </a:p>
@@ -2346,7 +2333,7 @@
           <a:p>
             <a:fld id="{BF307E29-D126-4117-8557-4ECD04A9B3AA}" type="datetimeFigureOut">
               <a:rPr lang="de-DE" smtClean="0"/>
-              <a:t>05.04.2021</a:t>
+              <a:t>03.11.2022</a:t>
             </a:fld>
             <a:endParaRPr lang="de-DE"/>
           </a:p>
@@ -2388,7 +2375,7 @@
           <a:p>
             <a:fld id="{CD7ACBBC-4B75-4580-A237-A98A1158EDF7}" type="slidenum">
               <a:rPr lang="de-DE" smtClean="0"/>
-              <a:t>‹Nr.›</a:t>
+              <a:t>‹#›</a:t>
             </a:fld>
             <a:endParaRPr lang="de-DE"/>
           </a:p>
@@ -2455,10 +2442,9 @@
           <a:lstStyle/>
           <a:p>
             <a:r>
-              <a:rPr lang="de-DE" smtClean="0"/>
+              <a:rPr lang="de-DE"/>
               <a:t>Titelmasterformat durch Klicken bearbeiten</a:t>
             </a:r>
-            <a:endParaRPr lang="de-DE"/>
           </a:p>
         </p:txBody>
       </p:sp>
@@ -2489,38 +2475,37 @@
           <a:p>
             <a:pPr lvl="0"/>
             <a:r>
-              <a:rPr lang="de-DE" smtClean="0"/>
+              <a:rPr lang="de-DE"/>
               <a:t>Formatvorlagen des Textmasters bearbeiten</a:t>
             </a:r>
           </a:p>
           <a:p>
             <a:pPr lvl="1"/>
             <a:r>
-              <a:rPr lang="de-DE" smtClean="0"/>
+              <a:rPr lang="de-DE"/>
               <a:t>Zweite Ebene</a:t>
             </a:r>
           </a:p>
           <a:p>
             <a:pPr lvl="2"/>
             <a:r>
-              <a:rPr lang="de-DE" smtClean="0"/>
+              <a:rPr lang="de-DE"/>
               <a:t>Dritte Ebene</a:t>
             </a:r>
           </a:p>
           <a:p>
             <a:pPr lvl="3"/>
             <a:r>
-              <a:rPr lang="de-DE" smtClean="0"/>
+              <a:rPr lang="de-DE"/>
               <a:t>Vierte Ebene</a:t>
             </a:r>
           </a:p>
           <a:p>
             <a:pPr lvl="4"/>
             <a:r>
-              <a:rPr lang="de-DE" smtClean="0"/>
+              <a:rPr lang="de-DE"/>
               <a:t>Fünfte Ebene</a:t>
             </a:r>
-            <a:endParaRPr lang="de-DE"/>
           </a:p>
         </p:txBody>
       </p:sp>
@@ -2559,7 +2544,7 @@
           <a:p>
             <a:fld id="{BF307E29-D126-4117-8557-4ECD04A9B3AA}" type="datetimeFigureOut">
               <a:rPr lang="de-DE" smtClean="0"/>
-              <a:t>05.04.2021</a:t>
+              <a:t>03.11.2022</a:t>
             </a:fld>
             <a:endParaRPr lang="de-DE"/>
           </a:p>
@@ -2637,7 +2622,7 @@
           <a:p>
             <a:fld id="{CD7ACBBC-4B75-4580-A237-A98A1158EDF7}" type="slidenum">
               <a:rPr lang="de-DE" smtClean="0"/>
-              <a:t>‹Nr.›</a:t>
+              <a:t>‹#›</a:t>
             </a:fld>
             <a:endParaRPr lang="de-DE"/>
           </a:p>
@@ -3023,34 +3008,25 @@
           <a:lstStyle/>
           <a:p>
             <a:r>
-              <a:rPr lang="de-DE" dirty="0" smtClean="0"/>
+              <a:rPr lang="de-DE" dirty="0"/>
               <a:t>Docker. An Explanation </a:t>
             </a:r>
             <a:r>
-              <a:rPr lang="de-DE" dirty="0" err="1" smtClean="0"/>
+              <a:rPr lang="de-DE" dirty="0" err="1"/>
               <a:t>of</a:t>
             </a:r>
             <a:r>
-              <a:rPr lang="de-DE" dirty="0" smtClean="0"/>
+              <a:rPr lang="de-DE" dirty="0"/>
               <a:t> Ports… </a:t>
             </a:r>
             <a:r>
-              <a:rPr lang="de-DE" dirty="0" err="1" smtClean="0"/>
+              <a:rPr lang="de-DE" dirty="0" err="1"/>
               <a:t>and</a:t>
             </a:r>
             <a:r>
-              <a:rPr lang="de-DE" dirty="0" smtClean="0"/>
-              <a:t> </a:t>
-            </a:r>
-            <a:r>
               <a:rPr lang="de-DE" dirty="0"/>
-              <a:t>T</a:t>
-            </a:r>
-            <a:r>
-              <a:rPr lang="de-DE" dirty="0" smtClean="0"/>
-              <a:t>hings</a:t>
-            </a:r>
-            <a:endParaRPr lang="de-DE" dirty="0"/>
+              <a:t> Things</a:t>
+            </a:r>
           </a:p>
         </p:txBody>
       </p:sp>
@@ -3127,10 +3103,9 @@
           <a:p>
             <a:pPr algn="ctr"/>
             <a:r>
-              <a:rPr lang="de-DE" dirty="0" smtClean="0"/>
+              <a:rPr lang="de-DE" dirty="0"/>
               <a:t>App</a:t>
             </a:r>
-            <a:endParaRPr lang="de-DE" dirty="0"/>
           </a:p>
         </p:txBody>
       </p:sp>
@@ -3169,41 +3144,40 @@
           <a:p>
             <a:pPr algn="ctr"/>
             <a:r>
-              <a:rPr lang="de-DE" dirty="0" smtClean="0"/>
+              <a:rPr lang="de-DE" dirty="0"/>
               <a:t>MySQL</a:t>
             </a:r>
           </a:p>
           <a:p>
             <a:pPr algn="ctr"/>
             <a:r>
-              <a:rPr lang="de-DE" sz="1000" dirty="0" smtClean="0"/>
+              <a:rPr lang="de-DE" sz="1000" dirty="0"/>
               <a:t>(3306 </a:t>
             </a:r>
             <a:r>
-              <a:rPr lang="de-DE" sz="1000" dirty="0" err="1" smtClean="0"/>
+              <a:rPr lang="de-DE" sz="1000" dirty="0" err="1"/>
               <a:t>is</a:t>
             </a:r>
             <a:r>
-              <a:rPr lang="de-DE" sz="1000" dirty="0" smtClean="0"/>
+              <a:rPr lang="de-DE" sz="1000" dirty="0"/>
               <a:t> </a:t>
             </a:r>
             <a:r>
-              <a:rPr lang="de-DE" sz="1000" dirty="0" err="1" smtClean="0"/>
+              <a:rPr lang="de-DE" sz="1000" dirty="0" err="1"/>
               <a:t>preconfigured</a:t>
             </a:r>
             <a:r>
-              <a:rPr lang="de-DE" sz="1000" dirty="0" smtClean="0"/>
+              <a:rPr lang="de-DE" sz="1000" dirty="0"/>
               <a:t> </a:t>
             </a:r>
             <a:r>
-              <a:rPr lang="de-DE" sz="1000" dirty="0" err="1" smtClean="0"/>
+              <a:rPr lang="de-DE" sz="1000" dirty="0" err="1"/>
               <a:t>port</a:t>
             </a:r>
             <a:r>
-              <a:rPr lang="de-DE" sz="1000" dirty="0" smtClean="0"/>
+              <a:rPr lang="de-DE" sz="1000" dirty="0"/>
               <a:t>)</a:t>
             </a:r>
-            <a:endParaRPr lang="de-DE" sz="1000" dirty="0"/>
           </a:p>
         </p:txBody>
       </p:sp>
@@ -3394,10 +3368,9 @@
           </a:lstStyle>
           <a:p>
             <a:r>
-              <a:rPr lang="de-DE" sz="1000" dirty="0" smtClean="0"/>
+              <a:rPr lang="de-DE" sz="1000" dirty="0"/>
               <a:t>9090</a:t>
             </a:r>
-            <a:endParaRPr lang="de-DE" sz="1000" dirty="0"/>
           </a:p>
         </p:txBody>
       </p:sp>
@@ -3589,13 +3562,8 @@
           <a:p>
             <a:r>
               <a:rPr lang="de-DE" sz="1000" dirty="0"/>
-              <a:t> </a:t>
-            </a:r>
-            <a:r>
-              <a:rPr lang="de-DE" sz="1000" dirty="0" smtClean="0"/>
-              <a:t>  90</a:t>
-            </a:r>
-            <a:endParaRPr lang="de-DE" sz="1000" dirty="0"/>
+              <a:t>   90</a:t>
+            </a:r>
           </a:p>
         </p:txBody>
       </p:sp>
@@ -3787,13 +3755,8 @@
           <a:p>
             <a:r>
               <a:rPr lang="de-DE" sz="1000" dirty="0"/>
-              <a:t> </a:t>
-            </a:r>
-            <a:r>
-              <a:rPr lang="de-DE" sz="1000" dirty="0" smtClean="0"/>
-              <a:t>  3306</a:t>
-            </a:r>
-            <a:endParaRPr lang="de-DE" sz="1000" dirty="0"/>
+              <a:t>   3306</a:t>
+            </a:r>
           </a:p>
         </p:txBody>
       </p:sp>
@@ -3985,13 +3948,8 @@
           <a:p>
             <a:r>
               <a:rPr lang="de-DE" sz="1000" dirty="0"/>
-              <a:t> </a:t>
-            </a:r>
-            <a:r>
-              <a:rPr lang="de-DE" sz="1000" dirty="0" smtClean="0"/>
-              <a:t>  3406</a:t>
-            </a:r>
-            <a:endParaRPr lang="de-DE" sz="1000" dirty="0"/>
+              <a:t>   3406</a:t>
+            </a:r>
           </a:p>
         </p:txBody>
       </p:sp>
@@ -4183,14 +4141,10 @@
           <a:p>
             <a:r>
               <a:rPr lang="de-DE" sz="1000" dirty="0"/>
-              <a:t> </a:t>
-            </a:r>
-            <a:r>
-              <a:rPr lang="de-DE" sz="1000" dirty="0" smtClean="0"/>
-              <a:t>  </a:t>
-            </a:r>
-            <a:r>
-              <a:rPr lang="de-DE" sz="1000" dirty="0" err="1" smtClean="0"/>
+              <a:t>   </a:t>
+            </a:r>
+            <a:r>
+              <a:rPr lang="de-DE" sz="1000" dirty="0" err="1"/>
               <a:t>localHost</a:t>
             </a:r>
             <a:endParaRPr lang="de-DE" sz="1000" dirty="0"/>
@@ -4296,14 +4250,13 @@
           <a:lstStyle/>
           <a:p>
             <a:r>
-              <a:rPr lang="de-DE" dirty="0" err="1" smtClean="0"/>
+              <a:rPr lang="de-DE" dirty="0" err="1"/>
               <a:t>Your</a:t>
             </a:r>
             <a:r>
-              <a:rPr lang="de-DE" dirty="0" smtClean="0"/>
+              <a:rPr lang="de-DE" dirty="0"/>
               <a:t> Computer</a:t>
             </a:r>
-            <a:endParaRPr lang="de-DE" dirty="0"/>
           </a:p>
         </p:txBody>
       </p:sp>
@@ -4377,7 +4330,7 @@
               <a:buNone/>
               <a:tabLst/>
             </a:pPr>
-            <a:endParaRPr kumimoji="0" lang="de-DE" altLang="de-DE" sz="1800" b="0" i="0" u="none" strike="noStrike" cap="none" normalizeH="0" baseline="0" dirty="0" smtClean="0">
+            <a:endParaRPr kumimoji="0" lang="de-DE" altLang="de-DE" sz="1800" b="0" i="0" u="none" strike="noStrike" cap="none" normalizeH="0" baseline="0" dirty="0">
               <a:ln>
                 <a:noFill/>
               </a:ln>
@@ -4412,46 +4365,46 @@
           <a:lstStyle/>
           <a:p>
             <a:r>
-              <a:rPr lang="de-DE" sz="1000" dirty="0" err="1" smtClean="0"/>
+              <a:rPr lang="de-DE" sz="1000" dirty="0" err="1"/>
               <a:t>docker</a:t>
             </a:r>
             <a:r>
-              <a:rPr lang="de-DE" sz="1000" dirty="0" smtClean="0"/>
+              <a:rPr lang="de-DE" sz="1000" dirty="0"/>
               <a:t> </a:t>
             </a:r>
             <a:r>
-              <a:rPr lang="de-DE" sz="1000" dirty="0" err="1" smtClean="0"/>
+              <a:rPr lang="de-DE" sz="1000" dirty="0" err="1"/>
               <a:t>run</a:t>
             </a:r>
             <a:r>
-              <a:rPr lang="de-DE" sz="1000" dirty="0" smtClean="0"/>
+              <a:rPr lang="de-DE" sz="1000" dirty="0"/>
               <a:t> -d -p 3406:3306 --name </a:t>
             </a:r>
             <a:r>
-              <a:rPr lang="de-DE" sz="1000" dirty="0" err="1" smtClean="0"/>
+              <a:rPr lang="de-DE" sz="1000" dirty="0" err="1"/>
               <a:t>db</a:t>
             </a:r>
             <a:r>
-              <a:rPr lang="de-DE" sz="1000" dirty="0" smtClean="0"/>
+              <a:rPr lang="de-DE" sz="1000" dirty="0"/>
               <a:t> ollyw123/</a:t>
             </a:r>
             <a:r>
-              <a:rPr lang="de-DE" sz="1000" dirty="0" err="1" smtClean="0"/>
+              <a:rPr lang="de-DE" sz="1000" dirty="0" err="1"/>
               <a:t>shape-shop-db:latest</a:t>
             </a:r>
-            <a:endParaRPr lang="de-DE" sz="1000" dirty="0" smtClean="0"/>
-          </a:p>
-          <a:p>
-            <a:r>
-              <a:rPr lang="de-DE" sz="1000" dirty="0" err="1" smtClean="0"/>
+            <a:endParaRPr lang="de-DE" sz="1000" dirty="0"/>
+          </a:p>
+          <a:p>
+            <a:r>
+              <a:rPr lang="de-DE" sz="1000" dirty="0" err="1"/>
               <a:t>jdbc:mysql</a:t>
             </a:r>
             <a:r>
-              <a:rPr lang="de-DE" sz="1000" dirty="0" smtClean="0"/>
+              <a:rPr lang="de-DE" sz="1000" dirty="0"/>
               <a:t>://localhost:3406/</a:t>
             </a:r>
             <a:r>
-              <a:rPr lang="de-DE" sz="1000" dirty="0" err="1" smtClean="0"/>
+              <a:rPr lang="de-DE" sz="1000" dirty="0" err="1"/>
               <a:t>db</a:t>
             </a:r>
             <a:endParaRPr lang="de-DE" sz="1000" dirty="0"/>
@@ -4462,6 +4415,1740 @@
     <p:extLst>
       <p:ext uri="{BB962C8B-B14F-4D97-AF65-F5344CB8AC3E}">
         <p14:creationId xmlns:p14="http://schemas.microsoft.com/office/powerpoint/2010/main" val="1407696762"/>
+      </p:ext>
+    </p:extLst>
+  </p:cSld>
+  <p:clrMapOvr>
+    <a:masterClrMapping/>
+  </p:clrMapOvr>
+</p:sld>
+</file>
+
+<file path=ppt/slides/slide2.xml><?xml version="1.0" encoding="utf-8"?>
+<p:sld xmlns:a="http://schemas.openxmlformats.org/drawingml/2006/main" xmlns:r="http://schemas.openxmlformats.org/officeDocument/2006/relationships" xmlns:p="http://schemas.openxmlformats.org/presentationml/2006/main">
+  <p:cSld>
+    <p:spTree>
+      <p:nvGrpSpPr>
+        <p:cNvPr id="1" name=""/>
+        <p:cNvGrpSpPr/>
+        <p:nvPr/>
+      </p:nvGrpSpPr>
+      <p:grpSpPr>
+        <a:xfrm>
+          <a:off x="0" y="0"/>
+          <a:ext cx="0" cy="0"/>
+          <a:chOff x="0" y="0"/>
+          <a:chExt cx="0" cy="0"/>
+        </a:xfrm>
+      </p:grpSpPr>
+      <p:sp>
+        <p:nvSpPr>
+          <p:cNvPr id="4" name="Rechteck 6">
+            <a:extLst>
+              <a:ext uri="{FF2B5EF4-FFF2-40B4-BE49-F238E27FC236}">
+                <a16:creationId xmlns:a16="http://schemas.microsoft.com/office/drawing/2014/main" id="{83885F94-A5AA-26F0-A10B-B3649E68299D}"/>
+              </a:ext>
+            </a:extLst>
+          </p:cNvPr>
+          <p:cNvSpPr/>
+          <p:nvPr/>
+        </p:nvSpPr>
+        <p:spPr>
+          <a:xfrm>
+            <a:off x="3683977" y="927285"/>
+            <a:ext cx="7877907" cy="4404946"/>
+          </a:xfrm>
+          <a:prstGeom prst="rect">
+            <a:avLst/>
+          </a:prstGeom>
+        </p:spPr>
+        <p:style>
+          <a:lnRef idx="2">
+            <a:schemeClr val="dk1"/>
+          </a:lnRef>
+          <a:fillRef idx="1">
+            <a:schemeClr val="lt1"/>
+          </a:fillRef>
+          <a:effectRef idx="0">
+            <a:schemeClr val="dk1"/>
+          </a:effectRef>
+          <a:fontRef idx="minor">
+            <a:schemeClr val="dk1"/>
+          </a:fontRef>
+        </p:style>
+        <p:txBody>
+          <a:bodyPr rtlCol="0" anchor="ctr"/>
+          <a:lstStyle/>
+          <a:p>
+            <a:pPr algn="ctr"/>
+            <a:endParaRPr lang="de-DE"/>
+          </a:p>
+        </p:txBody>
+      </p:sp>
+      <p:sp>
+        <p:nvSpPr>
+          <p:cNvPr id="5" name="Untertitel 2">
+            <a:extLst>
+              <a:ext uri="{FF2B5EF4-FFF2-40B4-BE49-F238E27FC236}">
+                <a16:creationId xmlns:a16="http://schemas.microsoft.com/office/drawing/2014/main" id="{6121F4F0-B9A8-1476-A884-5D3F4DD34FB9}"/>
+              </a:ext>
+            </a:extLst>
+          </p:cNvPr>
+          <p:cNvSpPr txBox="1">
+            <a:spLocks/>
+          </p:cNvSpPr>
+          <p:nvPr/>
+        </p:nvSpPr>
+        <p:spPr>
+          <a:xfrm>
+            <a:off x="35163" y="102698"/>
+            <a:ext cx="6084278" cy="565516"/>
+          </a:xfrm>
+          <a:prstGeom prst="rect">
+            <a:avLst/>
+          </a:prstGeom>
+        </p:spPr>
+        <p:txBody>
+          <a:bodyPr vert="horz" lIns="91440" tIns="45720" rIns="91440" bIns="45720" rtlCol="0">
+            <a:normAutofit fontScale="85000" lnSpcReduction="10000"/>
+          </a:bodyPr>
+          <a:lstStyle>
+            <a:lvl1pPr marL="228600" indent="-228600" algn="l" defTabSz="914400" rtl="0" eaLnBrk="1" latinLnBrk="0" hangingPunct="1">
+              <a:lnSpc>
+                <a:spcPct val="90000"/>
+              </a:lnSpc>
+              <a:spcBef>
+                <a:spcPts val="1000"/>
+              </a:spcBef>
+              <a:buFont typeface="Arial" panose="020B0604020202020204" pitchFamily="34" charset="0"/>
+              <a:buChar char="•"/>
+              <a:defRPr sz="2800" kern="1200">
+                <a:solidFill>
+                  <a:schemeClr val="tx1"/>
+                </a:solidFill>
+                <a:latin typeface="+mn-lt"/>
+                <a:ea typeface="+mn-ea"/>
+                <a:cs typeface="+mn-cs"/>
+              </a:defRPr>
+            </a:lvl1pPr>
+            <a:lvl2pPr marL="685800" indent="-228600" algn="l" defTabSz="914400" rtl="0" eaLnBrk="1" latinLnBrk="0" hangingPunct="1">
+              <a:lnSpc>
+                <a:spcPct val="90000"/>
+              </a:lnSpc>
+              <a:spcBef>
+                <a:spcPts val="500"/>
+              </a:spcBef>
+              <a:buFont typeface="Arial" panose="020B0604020202020204" pitchFamily="34" charset="0"/>
+              <a:buChar char="•"/>
+              <a:defRPr sz="2400" kern="1200">
+                <a:solidFill>
+                  <a:schemeClr val="tx1"/>
+                </a:solidFill>
+                <a:latin typeface="+mn-lt"/>
+                <a:ea typeface="+mn-ea"/>
+                <a:cs typeface="+mn-cs"/>
+              </a:defRPr>
+            </a:lvl2pPr>
+            <a:lvl3pPr marL="1143000" indent="-228600" algn="l" defTabSz="914400" rtl="0" eaLnBrk="1" latinLnBrk="0" hangingPunct="1">
+              <a:lnSpc>
+                <a:spcPct val="90000"/>
+              </a:lnSpc>
+              <a:spcBef>
+                <a:spcPts val="500"/>
+              </a:spcBef>
+              <a:buFont typeface="Arial" panose="020B0604020202020204" pitchFamily="34" charset="0"/>
+              <a:buChar char="•"/>
+              <a:defRPr sz="2000" kern="1200">
+                <a:solidFill>
+                  <a:schemeClr val="tx1"/>
+                </a:solidFill>
+                <a:latin typeface="+mn-lt"/>
+                <a:ea typeface="+mn-ea"/>
+                <a:cs typeface="+mn-cs"/>
+              </a:defRPr>
+            </a:lvl3pPr>
+            <a:lvl4pPr marL="1600200" indent="-228600" algn="l" defTabSz="914400" rtl="0" eaLnBrk="1" latinLnBrk="0" hangingPunct="1">
+              <a:lnSpc>
+                <a:spcPct val="90000"/>
+              </a:lnSpc>
+              <a:spcBef>
+                <a:spcPts val="500"/>
+              </a:spcBef>
+              <a:buFont typeface="Arial" panose="020B0604020202020204" pitchFamily="34" charset="0"/>
+              <a:buChar char="•"/>
+              <a:defRPr sz="1800" kern="1200">
+                <a:solidFill>
+                  <a:schemeClr val="tx1"/>
+                </a:solidFill>
+                <a:latin typeface="+mn-lt"/>
+                <a:ea typeface="+mn-ea"/>
+                <a:cs typeface="+mn-cs"/>
+              </a:defRPr>
+            </a:lvl4pPr>
+            <a:lvl5pPr marL="2057400" indent="-228600" algn="l" defTabSz="914400" rtl="0" eaLnBrk="1" latinLnBrk="0" hangingPunct="1">
+              <a:lnSpc>
+                <a:spcPct val="90000"/>
+              </a:lnSpc>
+              <a:spcBef>
+                <a:spcPts val="500"/>
+              </a:spcBef>
+              <a:buFont typeface="Arial" panose="020B0604020202020204" pitchFamily="34" charset="0"/>
+              <a:buChar char="•"/>
+              <a:defRPr sz="1800" kern="1200">
+                <a:solidFill>
+                  <a:schemeClr val="tx1"/>
+                </a:solidFill>
+                <a:latin typeface="+mn-lt"/>
+                <a:ea typeface="+mn-ea"/>
+                <a:cs typeface="+mn-cs"/>
+              </a:defRPr>
+            </a:lvl5pPr>
+            <a:lvl6pPr marL="2514600" indent="-228600" algn="l" defTabSz="914400" rtl="0" eaLnBrk="1" latinLnBrk="0" hangingPunct="1">
+              <a:lnSpc>
+                <a:spcPct val="90000"/>
+              </a:lnSpc>
+              <a:spcBef>
+                <a:spcPts val="500"/>
+              </a:spcBef>
+              <a:buFont typeface="Arial" panose="020B0604020202020204" pitchFamily="34" charset="0"/>
+              <a:buChar char="•"/>
+              <a:defRPr sz="1800" kern="1200">
+                <a:solidFill>
+                  <a:schemeClr val="tx1"/>
+                </a:solidFill>
+                <a:latin typeface="+mn-lt"/>
+                <a:ea typeface="+mn-ea"/>
+                <a:cs typeface="+mn-cs"/>
+              </a:defRPr>
+            </a:lvl6pPr>
+            <a:lvl7pPr marL="2971800" indent="-228600" algn="l" defTabSz="914400" rtl="0" eaLnBrk="1" latinLnBrk="0" hangingPunct="1">
+              <a:lnSpc>
+                <a:spcPct val="90000"/>
+              </a:lnSpc>
+              <a:spcBef>
+                <a:spcPts val="500"/>
+              </a:spcBef>
+              <a:buFont typeface="Arial" panose="020B0604020202020204" pitchFamily="34" charset="0"/>
+              <a:buChar char="•"/>
+              <a:defRPr sz="1800" kern="1200">
+                <a:solidFill>
+                  <a:schemeClr val="tx1"/>
+                </a:solidFill>
+                <a:latin typeface="+mn-lt"/>
+                <a:ea typeface="+mn-ea"/>
+                <a:cs typeface="+mn-cs"/>
+              </a:defRPr>
+            </a:lvl7pPr>
+            <a:lvl8pPr marL="3429000" indent="-228600" algn="l" defTabSz="914400" rtl="0" eaLnBrk="1" latinLnBrk="0" hangingPunct="1">
+              <a:lnSpc>
+                <a:spcPct val="90000"/>
+              </a:lnSpc>
+              <a:spcBef>
+                <a:spcPts val="500"/>
+              </a:spcBef>
+              <a:buFont typeface="Arial" panose="020B0604020202020204" pitchFamily="34" charset="0"/>
+              <a:buChar char="•"/>
+              <a:defRPr sz="1800" kern="1200">
+                <a:solidFill>
+                  <a:schemeClr val="tx1"/>
+                </a:solidFill>
+                <a:latin typeface="+mn-lt"/>
+                <a:ea typeface="+mn-ea"/>
+                <a:cs typeface="+mn-cs"/>
+              </a:defRPr>
+            </a:lvl8pPr>
+            <a:lvl9pPr marL="3886200" indent="-228600" algn="l" defTabSz="914400" rtl="0" eaLnBrk="1" latinLnBrk="0" hangingPunct="1">
+              <a:lnSpc>
+                <a:spcPct val="90000"/>
+              </a:lnSpc>
+              <a:spcBef>
+                <a:spcPts val="500"/>
+              </a:spcBef>
+              <a:buFont typeface="Arial" panose="020B0604020202020204" pitchFamily="34" charset="0"/>
+              <a:buChar char="•"/>
+              <a:defRPr sz="1800" kern="1200">
+                <a:solidFill>
+                  <a:schemeClr val="tx1"/>
+                </a:solidFill>
+                <a:latin typeface="+mn-lt"/>
+                <a:ea typeface="+mn-ea"/>
+                <a:cs typeface="+mn-cs"/>
+              </a:defRPr>
+            </a:lvl9pPr>
+          </a:lstStyle>
+          <a:p>
+            <a:r>
+              <a:rPr lang="de-DE"/>
+              <a:t>Docker. An Explanation of Ports… and Things</a:t>
+            </a:r>
+            <a:endParaRPr lang="de-DE" dirty="0"/>
+          </a:p>
+        </p:txBody>
+      </p:sp>
+      <p:sp>
+        <p:nvSpPr>
+          <p:cNvPr id="6" name="Rechteck 3">
+            <a:extLst>
+              <a:ext uri="{FF2B5EF4-FFF2-40B4-BE49-F238E27FC236}">
+                <a16:creationId xmlns:a16="http://schemas.microsoft.com/office/drawing/2014/main" id="{9F9441E5-EB06-92C5-6AE5-DCA1DBEE4070}"/>
+              </a:ext>
+            </a:extLst>
+          </p:cNvPr>
+          <p:cNvSpPr/>
+          <p:nvPr/>
+        </p:nvSpPr>
+        <p:spPr>
+          <a:xfrm>
+            <a:off x="3815861" y="1063565"/>
+            <a:ext cx="7614138" cy="4132385"/>
+          </a:xfrm>
+          <a:prstGeom prst="rect">
+            <a:avLst/>
+          </a:prstGeom>
+        </p:spPr>
+        <p:style>
+          <a:lnRef idx="2">
+            <a:schemeClr val="dk1"/>
+          </a:lnRef>
+          <a:fillRef idx="1">
+            <a:schemeClr val="lt1"/>
+          </a:fillRef>
+          <a:effectRef idx="0">
+            <a:schemeClr val="dk1"/>
+          </a:effectRef>
+          <a:fontRef idx="minor">
+            <a:schemeClr val="dk1"/>
+          </a:fontRef>
+        </p:style>
+        <p:txBody>
+          <a:bodyPr rtlCol="0" anchor="ctr"/>
+          <a:lstStyle/>
+          <a:p>
+            <a:pPr algn="ctr"/>
+            <a:endParaRPr lang="de-DE"/>
+          </a:p>
+        </p:txBody>
+      </p:sp>
+      <p:sp>
+        <p:nvSpPr>
+          <p:cNvPr id="7" name="Rechteck 4">
+            <a:extLst>
+              <a:ext uri="{FF2B5EF4-FFF2-40B4-BE49-F238E27FC236}">
+                <a16:creationId xmlns:a16="http://schemas.microsoft.com/office/drawing/2014/main" id="{5E643DC9-840C-3C15-D777-9B6331B84771}"/>
+              </a:ext>
+            </a:extLst>
+          </p:cNvPr>
+          <p:cNvSpPr/>
+          <p:nvPr/>
+        </p:nvSpPr>
+        <p:spPr>
+          <a:xfrm>
+            <a:off x="4003430" y="1665840"/>
+            <a:ext cx="2731477" cy="1547446"/>
+          </a:xfrm>
+          <a:prstGeom prst="rect">
+            <a:avLst/>
+          </a:prstGeom>
+        </p:spPr>
+        <p:style>
+          <a:lnRef idx="2">
+            <a:schemeClr val="dk1"/>
+          </a:lnRef>
+          <a:fillRef idx="1">
+            <a:schemeClr val="lt1"/>
+          </a:fillRef>
+          <a:effectRef idx="0">
+            <a:schemeClr val="dk1"/>
+          </a:effectRef>
+          <a:fontRef idx="minor">
+            <a:schemeClr val="dk1"/>
+          </a:fontRef>
+        </p:style>
+        <p:txBody>
+          <a:bodyPr rtlCol="0" anchor="ctr"/>
+          <a:lstStyle/>
+          <a:p>
+            <a:pPr algn="ctr"/>
+            <a:r>
+              <a:rPr lang="de-DE"/>
+              <a:t>shape-shop-server</a:t>
+            </a:r>
+            <a:endParaRPr lang="de-DE" dirty="0"/>
+          </a:p>
+        </p:txBody>
+      </p:sp>
+      <p:sp>
+        <p:nvSpPr>
+          <p:cNvPr id="8" name="Rechteck 5">
+            <a:extLst>
+              <a:ext uri="{FF2B5EF4-FFF2-40B4-BE49-F238E27FC236}">
+                <a16:creationId xmlns:a16="http://schemas.microsoft.com/office/drawing/2014/main" id="{D4E58C8C-928B-0D55-3C44-A83FD1FC1F1D}"/>
+              </a:ext>
+            </a:extLst>
+          </p:cNvPr>
+          <p:cNvSpPr/>
+          <p:nvPr/>
+        </p:nvSpPr>
+        <p:spPr>
+          <a:xfrm>
+            <a:off x="8156330" y="1665840"/>
+            <a:ext cx="2731477" cy="1547446"/>
+          </a:xfrm>
+          <a:prstGeom prst="rect">
+            <a:avLst/>
+          </a:prstGeom>
+        </p:spPr>
+        <p:style>
+          <a:lnRef idx="2">
+            <a:schemeClr val="dk1"/>
+          </a:lnRef>
+          <a:fillRef idx="1">
+            <a:schemeClr val="lt1"/>
+          </a:fillRef>
+          <a:effectRef idx="0">
+            <a:schemeClr val="dk1"/>
+          </a:effectRef>
+          <a:fontRef idx="minor">
+            <a:schemeClr val="dk1"/>
+          </a:fontRef>
+        </p:style>
+        <p:txBody>
+          <a:bodyPr rtlCol="0" anchor="ctr"/>
+          <a:lstStyle/>
+          <a:p>
+            <a:pPr algn="ctr"/>
+            <a:r>
+              <a:rPr lang="de-DE" dirty="0"/>
+              <a:t>MySQL</a:t>
+            </a:r>
+          </a:p>
+          <a:p>
+            <a:pPr algn="ctr"/>
+            <a:r>
+              <a:rPr lang="de-DE" sz="1000" dirty="0"/>
+              <a:t>(3306 </a:t>
+            </a:r>
+            <a:r>
+              <a:rPr lang="de-DE" sz="1000" dirty="0" err="1"/>
+              <a:t>is</a:t>
+            </a:r>
+            <a:r>
+              <a:rPr lang="de-DE" sz="1000" dirty="0"/>
+              <a:t> </a:t>
+            </a:r>
+            <a:r>
+              <a:rPr lang="de-DE" sz="1000" dirty="0" err="1"/>
+              <a:t>preconfigured</a:t>
+            </a:r>
+            <a:r>
+              <a:rPr lang="de-DE" sz="1000" dirty="0"/>
+              <a:t> </a:t>
+            </a:r>
+            <a:r>
+              <a:rPr lang="de-DE" sz="1000" dirty="0" err="1"/>
+              <a:t>port</a:t>
+            </a:r>
+            <a:r>
+              <a:rPr lang="de-DE" sz="1000" dirty="0"/>
+              <a:t>)</a:t>
+            </a:r>
+          </a:p>
+        </p:txBody>
+      </p:sp>
+      <p:sp>
+        <p:nvSpPr>
+          <p:cNvPr id="9" name="Untertitel 2">
+            <a:extLst>
+              <a:ext uri="{FF2B5EF4-FFF2-40B4-BE49-F238E27FC236}">
+                <a16:creationId xmlns:a16="http://schemas.microsoft.com/office/drawing/2014/main" id="{3D7202FD-EDEA-9AD0-2707-31D0B7BC1A5D}"/>
+              </a:ext>
+            </a:extLst>
+          </p:cNvPr>
+          <p:cNvSpPr txBox="1">
+            <a:spLocks/>
+          </p:cNvSpPr>
+          <p:nvPr/>
+        </p:nvSpPr>
+        <p:spPr>
+          <a:xfrm>
+            <a:off x="6159010" y="1465204"/>
+            <a:ext cx="690197" cy="213822"/>
+          </a:xfrm>
+          <a:prstGeom prst="rect">
+            <a:avLst/>
+          </a:prstGeom>
+        </p:spPr>
+        <p:txBody>
+          <a:bodyPr vert="horz" lIns="91440" tIns="45720" rIns="91440" bIns="45720" rtlCol="0">
+            <a:normAutofit fontScale="92500" lnSpcReduction="10000"/>
+          </a:bodyPr>
+          <a:lstStyle>
+            <a:lvl1pPr marL="0" indent="0" algn="ctr" defTabSz="914400" rtl="0" eaLnBrk="1" latinLnBrk="0" hangingPunct="1">
+              <a:lnSpc>
+                <a:spcPct val="90000"/>
+              </a:lnSpc>
+              <a:spcBef>
+                <a:spcPts val="1000"/>
+              </a:spcBef>
+              <a:buFont typeface="Arial" panose="020B0604020202020204" pitchFamily="34" charset="0"/>
+              <a:buNone/>
+              <a:defRPr sz="2400" kern="1200">
+                <a:solidFill>
+                  <a:schemeClr val="tx1"/>
+                </a:solidFill>
+                <a:latin typeface="+mn-lt"/>
+                <a:ea typeface="+mn-ea"/>
+                <a:cs typeface="+mn-cs"/>
+              </a:defRPr>
+            </a:lvl1pPr>
+            <a:lvl2pPr marL="457200" indent="0" algn="ctr" defTabSz="914400" rtl="0" eaLnBrk="1" latinLnBrk="0" hangingPunct="1">
+              <a:lnSpc>
+                <a:spcPct val="90000"/>
+              </a:lnSpc>
+              <a:spcBef>
+                <a:spcPts val="500"/>
+              </a:spcBef>
+              <a:buFont typeface="Arial" panose="020B0604020202020204" pitchFamily="34" charset="0"/>
+              <a:buNone/>
+              <a:defRPr sz="2000" kern="1200">
+                <a:solidFill>
+                  <a:schemeClr val="tx1"/>
+                </a:solidFill>
+                <a:latin typeface="+mn-lt"/>
+                <a:ea typeface="+mn-ea"/>
+                <a:cs typeface="+mn-cs"/>
+              </a:defRPr>
+            </a:lvl2pPr>
+            <a:lvl3pPr marL="914400" indent="0" algn="ctr" defTabSz="914400" rtl="0" eaLnBrk="1" latinLnBrk="0" hangingPunct="1">
+              <a:lnSpc>
+                <a:spcPct val="90000"/>
+              </a:lnSpc>
+              <a:spcBef>
+                <a:spcPts val="500"/>
+              </a:spcBef>
+              <a:buFont typeface="Arial" panose="020B0604020202020204" pitchFamily="34" charset="0"/>
+              <a:buNone/>
+              <a:defRPr sz="1800" kern="1200">
+                <a:solidFill>
+                  <a:schemeClr val="tx1"/>
+                </a:solidFill>
+                <a:latin typeface="+mn-lt"/>
+                <a:ea typeface="+mn-ea"/>
+                <a:cs typeface="+mn-cs"/>
+              </a:defRPr>
+            </a:lvl3pPr>
+            <a:lvl4pPr marL="1371600" indent="0" algn="ctr" defTabSz="914400" rtl="0" eaLnBrk="1" latinLnBrk="0" hangingPunct="1">
+              <a:lnSpc>
+                <a:spcPct val="90000"/>
+              </a:lnSpc>
+              <a:spcBef>
+                <a:spcPts val="500"/>
+              </a:spcBef>
+              <a:buFont typeface="Arial" panose="020B0604020202020204" pitchFamily="34" charset="0"/>
+              <a:buNone/>
+              <a:defRPr sz="1600" kern="1200">
+                <a:solidFill>
+                  <a:schemeClr val="tx1"/>
+                </a:solidFill>
+                <a:latin typeface="+mn-lt"/>
+                <a:ea typeface="+mn-ea"/>
+                <a:cs typeface="+mn-cs"/>
+              </a:defRPr>
+            </a:lvl4pPr>
+            <a:lvl5pPr marL="1828800" indent="0" algn="ctr" defTabSz="914400" rtl="0" eaLnBrk="1" latinLnBrk="0" hangingPunct="1">
+              <a:lnSpc>
+                <a:spcPct val="90000"/>
+              </a:lnSpc>
+              <a:spcBef>
+                <a:spcPts val="500"/>
+              </a:spcBef>
+              <a:buFont typeface="Arial" panose="020B0604020202020204" pitchFamily="34" charset="0"/>
+              <a:buNone/>
+              <a:defRPr sz="1600" kern="1200">
+                <a:solidFill>
+                  <a:schemeClr val="tx1"/>
+                </a:solidFill>
+                <a:latin typeface="+mn-lt"/>
+                <a:ea typeface="+mn-ea"/>
+                <a:cs typeface="+mn-cs"/>
+              </a:defRPr>
+            </a:lvl5pPr>
+            <a:lvl6pPr marL="2286000" indent="0" algn="ctr" defTabSz="914400" rtl="0" eaLnBrk="1" latinLnBrk="0" hangingPunct="1">
+              <a:lnSpc>
+                <a:spcPct val="90000"/>
+              </a:lnSpc>
+              <a:spcBef>
+                <a:spcPts val="500"/>
+              </a:spcBef>
+              <a:buFont typeface="Arial" panose="020B0604020202020204" pitchFamily="34" charset="0"/>
+              <a:buNone/>
+              <a:defRPr sz="1600" kern="1200">
+                <a:solidFill>
+                  <a:schemeClr val="tx1"/>
+                </a:solidFill>
+                <a:latin typeface="+mn-lt"/>
+                <a:ea typeface="+mn-ea"/>
+                <a:cs typeface="+mn-cs"/>
+              </a:defRPr>
+            </a:lvl6pPr>
+            <a:lvl7pPr marL="2743200" indent="0" algn="ctr" defTabSz="914400" rtl="0" eaLnBrk="1" latinLnBrk="0" hangingPunct="1">
+              <a:lnSpc>
+                <a:spcPct val="90000"/>
+              </a:lnSpc>
+              <a:spcBef>
+                <a:spcPts val="500"/>
+              </a:spcBef>
+              <a:buFont typeface="Arial" panose="020B0604020202020204" pitchFamily="34" charset="0"/>
+              <a:buNone/>
+              <a:defRPr sz="1600" kern="1200">
+                <a:solidFill>
+                  <a:schemeClr val="tx1"/>
+                </a:solidFill>
+                <a:latin typeface="+mn-lt"/>
+                <a:ea typeface="+mn-ea"/>
+                <a:cs typeface="+mn-cs"/>
+              </a:defRPr>
+            </a:lvl7pPr>
+            <a:lvl8pPr marL="3200400" indent="0" algn="ctr" defTabSz="914400" rtl="0" eaLnBrk="1" latinLnBrk="0" hangingPunct="1">
+              <a:lnSpc>
+                <a:spcPct val="90000"/>
+              </a:lnSpc>
+              <a:spcBef>
+                <a:spcPts val="500"/>
+              </a:spcBef>
+              <a:buFont typeface="Arial" panose="020B0604020202020204" pitchFamily="34" charset="0"/>
+              <a:buNone/>
+              <a:defRPr sz="1600" kern="1200">
+                <a:solidFill>
+                  <a:schemeClr val="tx1"/>
+                </a:solidFill>
+                <a:latin typeface="+mn-lt"/>
+                <a:ea typeface="+mn-ea"/>
+                <a:cs typeface="+mn-cs"/>
+              </a:defRPr>
+            </a:lvl8pPr>
+            <a:lvl9pPr marL="3657600" indent="0" algn="ctr" defTabSz="914400" rtl="0" eaLnBrk="1" latinLnBrk="0" hangingPunct="1">
+              <a:lnSpc>
+                <a:spcPct val="90000"/>
+              </a:lnSpc>
+              <a:spcBef>
+                <a:spcPts val="500"/>
+              </a:spcBef>
+              <a:buFont typeface="Arial" panose="020B0604020202020204" pitchFamily="34" charset="0"/>
+              <a:buNone/>
+              <a:defRPr sz="1600" kern="1200">
+                <a:solidFill>
+                  <a:schemeClr val="tx1"/>
+                </a:solidFill>
+                <a:latin typeface="+mn-lt"/>
+                <a:ea typeface="+mn-ea"/>
+                <a:cs typeface="+mn-cs"/>
+              </a:defRPr>
+            </a:lvl9pPr>
+          </a:lstStyle>
+          <a:p>
+            <a:r>
+              <a:rPr lang="de-DE" sz="1000" dirty="0"/>
+              <a:t>9090</a:t>
+            </a:r>
+          </a:p>
+        </p:txBody>
+      </p:sp>
+      <p:sp>
+        <p:nvSpPr>
+          <p:cNvPr id="10" name="Untertitel 2">
+            <a:extLst>
+              <a:ext uri="{FF2B5EF4-FFF2-40B4-BE49-F238E27FC236}">
+                <a16:creationId xmlns:a16="http://schemas.microsoft.com/office/drawing/2014/main" id="{6E085840-6ECC-F155-B7B0-EBE405249E40}"/>
+              </a:ext>
+            </a:extLst>
+          </p:cNvPr>
+          <p:cNvSpPr txBox="1">
+            <a:spLocks/>
+          </p:cNvSpPr>
+          <p:nvPr/>
+        </p:nvSpPr>
+        <p:spPr>
+          <a:xfrm>
+            <a:off x="6161207" y="1706992"/>
+            <a:ext cx="690197" cy="213822"/>
+          </a:xfrm>
+          <a:prstGeom prst="rect">
+            <a:avLst/>
+          </a:prstGeom>
+        </p:spPr>
+        <p:txBody>
+          <a:bodyPr vert="horz" lIns="91440" tIns="45720" rIns="91440" bIns="45720" rtlCol="0">
+            <a:normAutofit fontScale="92500" lnSpcReduction="10000"/>
+          </a:bodyPr>
+          <a:lstStyle>
+            <a:lvl1pPr marL="0" indent="0" algn="ctr" defTabSz="914400" rtl="0" eaLnBrk="1" latinLnBrk="0" hangingPunct="1">
+              <a:lnSpc>
+                <a:spcPct val="90000"/>
+              </a:lnSpc>
+              <a:spcBef>
+                <a:spcPts val="1000"/>
+              </a:spcBef>
+              <a:buFont typeface="Arial" panose="020B0604020202020204" pitchFamily="34" charset="0"/>
+              <a:buNone/>
+              <a:defRPr sz="2400" kern="1200">
+                <a:solidFill>
+                  <a:schemeClr val="tx1"/>
+                </a:solidFill>
+                <a:latin typeface="+mn-lt"/>
+                <a:ea typeface="+mn-ea"/>
+                <a:cs typeface="+mn-cs"/>
+              </a:defRPr>
+            </a:lvl1pPr>
+            <a:lvl2pPr marL="457200" indent="0" algn="ctr" defTabSz="914400" rtl="0" eaLnBrk="1" latinLnBrk="0" hangingPunct="1">
+              <a:lnSpc>
+                <a:spcPct val="90000"/>
+              </a:lnSpc>
+              <a:spcBef>
+                <a:spcPts val="500"/>
+              </a:spcBef>
+              <a:buFont typeface="Arial" panose="020B0604020202020204" pitchFamily="34" charset="0"/>
+              <a:buNone/>
+              <a:defRPr sz="2000" kern="1200">
+                <a:solidFill>
+                  <a:schemeClr val="tx1"/>
+                </a:solidFill>
+                <a:latin typeface="+mn-lt"/>
+                <a:ea typeface="+mn-ea"/>
+                <a:cs typeface="+mn-cs"/>
+              </a:defRPr>
+            </a:lvl2pPr>
+            <a:lvl3pPr marL="914400" indent="0" algn="ctr" defTabSz="914400" rtl="0" eaLnBrk="1" latinLnBrk="0" hangingPunct="1">
+              <a:lnSpc>
+                <a:spcPct val="90000"/>
+              </a:lnSpc>
+              <a:spcBef>
+                <a:spcPts val="500"/>
+              </a:spcBef>
+              <a:buFont typeface="Arial" panose="020B0604020202020204" pitchFamily="34" charset="0"/>
+              <a:buNone/>
+              <a:defRPr sz="1800" kern="1200">
+                <a:solidFill>
+                  <a:schemeClr val="tx1"/>
+                </a:solidFill>
+                <a:latin typeface="+mn-lt"/>
+                <a:ea typeface="+mn-ea"/>
+                <a:cs typeface="+mn-cs"/>
+              </a:defRPr>
+            </a:lvl3pPr>
+            <a:lvl4pPr marL="1371600" indent="0" algn="ctr" defTabSz="914400" rtl="0" eaLnBrk="1" latinLnBrk="0" hangingPunct="1">
+              <a:lnSpc>
+                <a:spcPct val="90000"/>
+              </a:lnSpc>
+              <a:spcBef>
+                <a:spcPts val="500"/>
+              </a:spcBef>
+              <a:buFont typeface="Arial" panose="020B0604020202020204" pitchFamily="34" charset="0"/>
+              <a:buNone/>
+              <a:defRPr sz="1600" kern="1200">
+                <a:solidFill>
+                  <a:schemeClr val="tx1"/>
+                </a:solidFill>
+                <a:latin typeface="+mn-lt"/>
+                <a:ea typeface="+mn-ea"/>
+                <a:cs typeface="+mn-cs"/>
+              </a:defRPr>
+            </a:lvl4pPr>
+            <a:lvl5pPr marL="1828800" indent="0" algn="ctr" defTabSz="914400" rtl="0" eaLnBrk="1" latinLnBrk="0" hangingPunct="1">
+              <a:lnSpc>
+                <a:spcPct val="90000"/>
+              </a:lnSpc>
+              <a:spcBef>
+                <a:spcPts val="500"/>
+              </a:spcBef>
+              <a:buFont typeface="Arial" panose="020B0604020202020204" pitchFamily="34" charset="0"/>
+              <a:buNone/>
+              <a:defRPr sz="1600" kern="1200">
+                <a:solidFill>
+                  <a:schemeClr val="tx1"/>
+                </a:solidFill>
+                <a:latin typeface="+mn-lt"/>
+                <a:ea typeface="+mn-ea"/>
+                <a:cs typeface="+mn-cs"/>
+              </a:defRPr>
+            </a:lvl5pPr>
+            <a:lvl6pPr marL="2286000" indent="0" algn="ctr" defTabSz="914400" rtl="0" eaLnBrk="1" latinLnBrk="0" hangingPunct="1">
+              <a:lnSpc>
+                <a:spcPct val="90000"/>
+              </a:lnSpc>
+              <a:spcBef>
+                <a:spcPts val="500"/>
+              </a:spcBef>
+              <a:buFont typeface="Arial" panose="020B0604020202020204" pitchFamily="34" charset="0"/>
+              <a:buNone/>
+              <a:defRPr sz="1600" kern="1200">
+                <a:solidFill>
+                  <a:schemeClr val="tx1"/>
+                </a:solidFill>
+                <a:latin typeface="+mn-lt"/>
+                <a:ea typeface="+mn-ea"/>
+                <a:cs typeface="+mn-cs"/>
+              </a:defRPr>
+            </a:lvl6pPr>
+            <a:lvl7pPr marL="2743200" indent="0" algn="ctr" defTabSz="914400" rtl="0" eaLnBrk="1" latinLnBrk="0" hangingPunct="1">
+              <a:lnSpc>
+                <a:spcPct val="90000"/>
+              </a:lnSpc>
+              <a:spcBef>
+                <a:spcPts val="500"/>
+              </a:spcBef>
+              <a:buFont typeface="Arial" panose="020B0604020202020204" pitchFamily="34" charset="0"/>
+              <a:buNone/>
+              <a:defRPr sz="1600" kern="1200">
+                <a:solidFill>
+                  <a:schemeClr val="tx1"/>
+                </a:solidFill>
+                <a:latin typeface="+mn-lt"/>
+                <a:ea typeface="+mn-ea"/>
+                <a:cs typeface="+mn-cs"/>
+              </a:defRPr>
+            </a:lvl7pPr>
+            <a:lvl8pPr marL="3200400" indent="0" algn="ctr" defTabSz="914400" rtl="0" eaLnBrk="1" latinLnBrk="0" hangingPunct="1">
+              <a:lnSpc>
+                <a:spcPct val="90000"/>
+              </a:lnSpc>
+              <a:spcBef>
+                <a:spcPts val="500"/>
+              </a:spcBef>
+              <a:buFont typeface="Arial" panose="020B0604020202020204" pitchFamily="34" charset="0"/>
+              <a:buNone/>
+              <a:defRPr sz="1600" kern="1200">
+                <a:solidFill>
+                  <a:schemeClr val="tx1"/>
+                </a:solidFill>
+                <a:latin typeface="+mn-lt"/>
+                <a:ea typeface="+mn-ea"/>
+                <a:cs typeface="+mn-cs"/>
+              </a:defRPr>
+            </a:lvl8pPr>
+            <a:lvl9pPr marL="3657600" indent="0" algn="ctr" defTabSz="914400" rtl="0" eaLnBrk="1" latinLnBrk="0" hangingPunct="1">
+              <a:lnSpc>
+                <a:spcPct val="90000"/>
+              </a:lnSpc>
+              <a:spcBef>
+                <a:spcPts val="500"/>
+              </a:spcBef>
+              <a:buFont typeface="Arial" panose="020B0604020202020204" pitchFamily="34" charset="0"/>
+              <a:buNone/>
+              <a:defRPr sz="1600" kern="1200">
+                <a:solidFill>
+                  <a:schemeClr val="tx1"/>
+                </a:solidFill>
+                <a:latin typeface="+mn-lt"/>
+                <a:ea typeface="+mn-ea"/>
+                <a:cs typeface="+mn-cs"/>
+              </a:defRPr>
+            </a:lvl9pPr>
+          </a:lstStyle>
+          <a:p>
+            <a:r>
+              <a:rPr lang="de-DE" sz="1000" dirty="0"/>
+              <a:t>   90</a:t>
+            </a:r>
+          </a:p>
+        </p:txBody>
+      </p:sp>
+      <p:sp>
+        <p:nvSpPr>
+          <p:cNvPr id="11" name="Untertitel 2">
+            <a:extLst>
+              <a:ext uri="{FF2B5EF4-FFF2-40B4-BE49-F238E27FC236}">
+                <a16:creationId xmlns:a16="http://schemas.microsoft.com/office/drawing/2014/main" id="{82A6D578-CF57-205E-3BD5-9E91097923E2}"/>
+              </a:ext>
+            </a:extLst>
+          </p:cNvPr>
+          <p:cNvSpPr txBox="1">
+            <a:spLocks/>
+          </p:cNvSpPr>
+          <p:nvPr/>
+        </p:nvSpPr>
+        <p:spPr>
+          <a:xfrm>
+            <a:off x="10272344" y="1724575"/>
+            <a:ext cx="690197" cy="213822"/>
+          </a:xfrm>
+          <a:prstGeom prst="rect">
+            <a:avLst/>
+          </a:prstGeom>
+        </p:spPr>
+        <p:txBody>
+          <a:bodyPr vert="horz" lIns="91440" tIns="45720" rIns="91440" bIns="45720" rtlCol="0">
+            <a:normAutofit fontScale="92500" lnSpcReduction="10000"/>
+          </a:bodyPr>
+          <a:lstStyle>
+            <a:lvl1pPr marL="0" indent="0" algn="ctr" defTabSz="914400" rtl="0" eaLnBrk="1" latinLnBrk="0" hangingPunct="1">
+              <a:lnSpc>
+                <a:spcPct val="90000"/>
+              </a:lnSpc>
+              <a:spcBef>
+                <a:spcPts val="1000"/>
+              </a:spcBef>
+              <a:buFont typeface="Arial" panose="020B0604020202020204" pitchFamily="34" charset="0"/>
+              <a:buNone/>
+              <a:defRPr sz="2400" kern="1200">
+                <a:solidFill>
+                  <a:schemeClr val="tx1"/>
+                </a:solidFill>
+                <a:latin typeface="+mn-lt"/>
+                <a:ea typeface="+mn-ea"/>
+                <a:cs typeface="+mn-cs"/>
+              </a:defRPr>
+            </a:lvl1pPr>
+            <a:lvl2pPr marL="457200" indent="0" algn="ctr" defTabSz="914400" rtl="0" eaLnBrk="1" latinLnBrk="0" hangingPunct="1">
+              <a:lnSpc>
+                <a:spcPct val="90000"/>
+              </a:lnSpc>
+              <a:spcBef>
+                <a:spcPts val="500"/>
+              </a:spcBef>
+              <a:buFont typeface="Arial" panose="020B0604020202020204" pitchFamily="34" charset="0"/>
+              <a:buNone/>
+              <a:defRPr sz="2000" kern="1200">
+                <a:solidFill>
+                  <a:schemeClr val="tx1"/>
+                </a:solidFill>
+                <a:latin typeface="+mn-lt"/>
+                <a:ea typeface="+mn-ea"/>
+                <a:cs typeface="+mn-cs"/>
+              </a:defRPr>
+            </a:lvl2pPr>
+            <a:lvl3pPr marL="914400" indent="0" algn="ctr" defTabSz="914400" rtl="0" eaLnBrk="1" latinLnBrk="0" hangingPunct="1">
+              <a:lnSpc>
+                <a:spcPct val="90000"/>
+              </a:lnSpc>
+              <a:spcBef>
+                <a:spcPts val="500"/>
+              </a:spcBef>
+              <a:buFont typeface="Arial" panose="020B0604020202020204" pitchFamily="34" charset="0"/>
+              <a:buNone/>
+              <a:defRPr sz="1800" kern="1200">
+                <a:solidFill>
+                  <a:schemeClr val="tx1"/>
+                </a:solidFill>
+                <a:latin typeface="+mn-lt"/>
+                <a:ea typeface="+mn-ea"/>
+                <a:cs typeface="+mn-cs"/>
+              </a:defRPr>
+            </a:lvl3pPr>
+            <a:lvl4pPr marL="1371600" indent="0" algn="ctr" defTabSz="914400" rtl="0" eaLnBrk="1" latinLnBrk="0" hangingPunct="1">
+              <a:lnSpc>
+                <a:spcPct val="90000"/>
+              </a:lnSpc>
+              <a:spcBef>
+                <a:spcPts val="500"/>
+              </a:spcBef>
+              <a:buFont typeface="Arial" panose="020B0604020202020204" pitchFamily="34" charset="0"/>
+              <a:buNone/>
+              <a:defRPr sz="1600" kern="1200">
+                <a:solidFill>
+                  <a:schemeClr val="tx1"/>
+                </a:solidFill>
+                <a:latin typeface="+mn-lt"/>
+                <a:ea typeface="+mn-ea"/>
+                <a:cs typeface="+mn-cs"/>
+              </a:defRPr>
+            </a:lvl4pPr>
+            <a:lvl5pPr marL="1828800" indent="0" algn="ctr" defTabSz="914400" rtl="0" eaLnBrk="1" latinLnBrk="0" hangingPunct="1">
+              <a:lnSpc>
+                <a:spcPct val="90000"/>
+              </a:lnSpc>
+              <a:spcBef>
+                <a:spcPts val="500"/>
+              </a:spcBef>
+              <a:buFont typeface="Arial" panose="020B0604020202020204" pitchFamily="34" charset="0"/>
+              <a:buNone/>
+              <a:defRPr sz="1600" kern="1200">
+                <a:solidFill>
+                  <a:schemeClr val="tx1"/>
+                </a:solidFill>
+                <a:latin typeface="+mn-lt"/>
+                <a:ea typeface="+mn-ea"/>
+                <a:cs typeface="+mn-cs"/>
+              </a:defRPr>
+            </a:lvl5pPr>
+            <a:lvl6pPr marL="2286000" indent="0" algn="ctr" defTabSz="914400" rtl="0" eaLnBrk="1" latinLnBrk="0" hangingPunct="1">
+              <a:lnSpc>
+                <a:spcPct val="90000"/>
+              </a:lnSpc>
+              <a:spcBef>
+                <a:spcPts val="500"/>
+              </a:spcBef>
+              <a:buFont typeface="Arial" panose="020B0604020202020204" pitchFamily="34" charset="0"/>
+              <a:buNone/>
+              <a:defRPr sz="1600" kern="1200">
+                <a:solidFill>
+                  <a:schemeClr val="tx1"/>
+                </a:solidFill>
+                <a:latin typeface="+mn-lt"/>
+                <a:ea typeface="+mn-ea"/>
+                <a:cs typeface="+mn-cs"/>
+              </a:defRPr>
+            </a:lvl6pPr>
+            <a:lvl7pPr marL="2743200" indent="0" algn="ctr" defTabSz="914400" rtl="0" eaLnBrk="1" latinLnBrk="0" hangingPunct="1">
+              <a:lnSpc>
+                <a:spcPct val="90000"/>
+              </a:lnSpc>
+              <a:spcBef>
+                <a:spcPts val="500"/>
+              </a:spcBef>
+              <a:buFont typeface="Arial" panose="020B0604020202020204" pitchFamily="34" charset="0"/>
+              <a:buNone/>
+              <a:defRPr sz="1600" kern="1200">
+                <a:solidFill>
+                  <a:schemeClr val="tx1"/>
+                </a:solidFill>
+                <a:latin typeface="+mn-lt"/>
+                <a:ea typeface="+mn-ea"/>
+                <a:cs typeface="+mn-cs"/>
+              </a:defRPr>
+            </a:lvl7pPr>
+            <a:lvl8pPr marL="3200400" indent="0" algn="ctr" defTabSz="914400" rtl="0" eaLnBrk="1" latinLnBrk="0" hangingPunct="1">
+              <a:lnSpc>
+                <a:spcPct val="90000"/>
+              </a:lnSpc>
+              <a:spcBef>
+                <a:spcPts val="500"/>
+              </a:spcBef>
+              <a:buFont typeface="Arial" panose="020B0604020202020204" pitchFamily="34" charset="0"/>
+              <a:buNone/>
+              <a:defRPr sz="1600" kern="1200">
+                <a:solidFill>
+                  <a:schemeClr val="tx1"/>
+                </a:solidFill>
+                <a:latin typeface="+mn-lt"/>
+                <a:ea typeface="+mn-ea"/>
+                <a:cs typeface="+mn-cs"/>
+              </a:defRPr>
+            </a:lvl8pPr>
+            <a:lvl9pPr marL="3657600" indent="0" algn="ctr" defTabSz="914400" rtl="0" eaLnBrk="1" latinLnBrk="0" hangingPunct="1">
+              <a:lnSpc>
+                <a:spcPct val="90000"/>
+              </a:lnSpc>
+              <a:spcBef>
+                <a:spcPts val="500"/>
+              </a:spcBef>
+              <a:buFont typeface="Arial" panose="020B0604020202020204" pitchFamily="34" charset="0"/>
+              <a:buNone/>
+              <a:defRPr sz="1600" kern="1200">
+                <a:solidFill>
+                  <a:schemeClr val="tx1"/>
+                </a:solidFill>
+                <a:latin typeface="+mn-lt"/>
+                <a:ea typeface="+mn-ea"/>
+                <a:cs typeface="+mn-cs"/>
+              </a:defRPr>
+            </a:lvl9pPr>
+          </a:lstStyle>
+          <a:p>
+            <a:r>
+              <a:rPr lang="de-DE" sz="1000" dirty="0"/>
+              <a:t>   3306</a:t>
+            </a:r>
+          </a:p>
+        </p:txBody>
+      </p:sp>
+      <p:sp>
+        <p:nvSpPr>
+          <p:cNvPr id="12" name="Untertitel 2">
+            <a:extLst>
+              <a:ext uri="{FF2B5EF4-FFF2-40B4-BE49-F238E27FC236}">
+                <a16:creationId xmlns:a16="http://schemas.microsoft.com/office/drawing/2014/main" id="{FEAD8537-3FD8-56EA-85FB-F3158B19E059}"/>
+              </a:ext>
+            </a:extLst>
+          </p:cNvPr>
+          <p:cNvSpPr txBox="1">
+            <a:spLocks/>
+          </p:cNvSpPr>
+          <p:nvPr/>
+        </p:nvSpPr>
+        <p:spPr>
+          <a:xfrm>
+            <a:off x="10272344" y="1476987"/>
+            <a:ext cx="690197" cy="213822"/>
+          </a:xfrm>
+          <a:prstGeom prst="rect">
+            <a:avLst/>
+          </a:prstGeom>
+        </p:spPr>
+        <p:txBody>
+          <a:bodyPr vert="horz" lIns="91440" tIns="45720" rIns="91440" bIns="45720" rtlCol="0">
+            <a:normAutofit fontScale="92500" lnSpcReduction="10000"/>
+          </a:bodyPr>
+          <a:lstStyle>
+            <a:lvl1pPr marL="0" indent="0" algn="ctr" defTabSz="914400" rtl="0" eaLnBrk="1" latinLnBrk="0" hangingPunct="1">
+              <a:lnSpc>
+                <a:spcPct val="90000"/>
+              </a:lnSpc>
+              <a:spcBef>
+                <a:spcPts val="1000"/>
+              </a:spcBef>
+              <a:buFont typeface="Arial" panose="020B0604020202020204" pitchFamily="34" charset="0"/>
+              <a:buNone/>
+              <a:defRPr sz="2400" kern="1200">
+                <a:solidFill>
+                  <a:schemeClr val="tx1"/>
+                </a:solidFill>
+                <a:latin typeface="+mn-lt"/>
+                <a:ea typeface="+mn-ea"/>
+                <a:cs typeface="+mn-cs"/>
+              </a:defRPr>
+            </a:lvl1pPr>
+            <a:lvl2pPr marL="457200" indent="0" algn="ctr" defTabSz="914400" rtl="0" eaLnBrk="1" latinLnBrk="0" hangingPunct="1">
+              <a:lnSpc>
+                <a:spcPct val="90000"/>
+              </a:lnSpc>
+              <a:spcBef>
+                <a:spcPts val="500"/>
+              </a:spcBef>
+              <a:buFont typeface="Arial" panose="020B0604020202020204" pitchFamily="34" charset="0"/>
+              <a:buNone/>
+              <a:defRPr sz="2000" kern="1200">
+                <a:solidFill>
+                  <a:schemeClr val="tx1"/>
+                </a:solidFill>
+                <a:latin typeface="+mn-lt"/>
+                <a:ea typeface="+mn-ea"/>
+                <a:cs typeface="+mn-cs"/>
+              </a:defRPr>
+            </a:lvl2pPr>
+            <a:lvl3pPr marL="914400" indent="0" algn="ctr" defTabSz="914400" rtl="0" eaLnBrk="1" latinLnBrk="0" hangingPunct="1">
+              <a:lnSpc>
+                <a:spcPct val="90000"/>
+              </a:lnSpc>
+              <a:spcBef>
+                <a:spcPts val="500"/>
+              </a:spcBef>
+              <a:buFont typeface="Arial" panose="020B0604020202020204" pitchFamily="34" charset="0"/>
+              <a:buNone/>
+              <a:defRPr sz="1800" kern="1200">
+                <a:solidFill>
+                  <a:schemeClr val="tx1"/>
+                </a:solidFill>
+                <a:latin typeface="+mn-lt"/>
+                <a:ea typeface="+mn-ea"/>
+                <a:cs typeface="+mn-cs"/>
+              </a:defRPr>
+            </a:lvl3pPr>
+            <a:lvl4pPr marL="1371600" indent="0" algn="ctr" defTabSz="914400" rtl="0" eaLnBrk="1" latinLnBrk="0" hangingPunct="1">
+              <a:lnSpc>
+                <a:spcPct val="90000"/>
+              </a:lnSpc>
+              <a:spcBef>
+                <a:spcPts val="500"/>
+              </a:spcBef>
+              <a:buFont typeface="Arial" panose="020B0604020202020204" pitchFamily="34" charset="0"/>
+              <a:buNone/>
+              <a:defRPr sz="1600" kern="1200">
+                <a:solidFill>
+                  <a:schemeClr val="tx1"/>
+                </a:solidFill>
+                <a:latin typeface="+mn-lt"/>
+                <a:ea typeface="+mn-ea"/>
+                <a:cs typeface="+mn-cs"/>
+              </a:defRPr>
+            </a:lvl4pPr>
+            <a:lvl5pPr marL="1828800" indent="0" algn="ctr" defTabSz="914400" rtl="0" eaLnBrk="1" latinLnBrk="0" hangingPunct="1">
+              <a:lnSpc>
+                <a:spcPct val="90000"/>
+              </a:lnSpc>
+              <a:spcBef>
+                <a:spcPts val="500"/>
+              </a:spcBef>
+              <a:buFont typeface="Arial" panose="020B0604020202020204" pitchFamily="34" charset="0"/>
+              <a:buNone/>
+              <a:defRPr sz="1600" kern="1200">
+                <a:solidFill>
+                  <a:schemeClr val="tx1"/>
+                </a:solidFill>
+                <a:latin typeface="+mn-lt"/>
+                <a:ea typeface="+mn-ea"/>
+                <a:cs typeface="+mn-cs"/>
+              </a:defRPr>
+            </a:lvl5pPr>
+            <a:lvl6pPr marL="2286000" indent="0" algn="ctr" defTabSz="914400" rtl="0" eaLnBrk="1" latinLnBrk="0" hangingPunct="1">
+              <a:lnSpc>
+                <a:spcPct val="90000"/>
+              </a:lnSpc>
+              <a:spcBef>
+                <a:spcPts val="500"/>
+              </a:spcBef>
+              <a:buFont typeface="Arial" panose="020B0604020202020204" pitchFamily="34" charset="0"/>
+              <a:buNone/>
+              <a:defRPr sz="1600" kern="1200">
+                <a:solidFill>
+                  <a:schemeClr val="tx1"/>
+                </a:solidFill>
+                <a:latin typeface="+mn-lt"/>
+                <a:ea typeface="+mn-ea"/>
+                <a:cs typeface="+mn-cs"/>
+              </a:defRPr>
+            </a:lvl6pPr>
+            <a:lvl7pPr marL="2743200" indent="0" algn="ctr" defTabSz="914400" rtl="0" eaLnBrk="1" latinLnBrk="0" hangingPunct="1">
+              <a:lnSpc>
+                <a:spcPct val="90000"/>
+              </a:lnSpc>
+              <a:spcBef>
+                <a:spcPts val="500"/>
+              </a:spcBef>
+              <a:buFont typeface="Arial" panose="020B0604020202020204" pitchFamily="34" charset="0"/>
+              <a:buNone/>
+              <a:defRPr sz="1600" kern="1200">
+                <a:solidFill>
+                  <a:schemeClr val="tx1"/>
+                </a:solidFill>
+                <a:latin typeface="+mn-lt"/>
+                <a:ea typeface="+mn-ea"/>
+                <a:cs typeface="+mn-cs"/>
+              </a:defRPr>
+            </a:lvl7pPr>
+            <a:lvl8pPr marL="3200400" indent="0" algn="ctr" defTabSz="914400" rtl="0" eaLnBrk="1" latinLnBrk="0" hangingPunct="1">
+              <a:lnSpc>
+                <a:spcPct val="90000"/>
+              </a:lnSpc>
+              <a:spcBef>
+                <a:spcPts val="500"/>
+              </a:spcBef>
+              <a:buFont typeface="Arial" panose="020B0604020202020204" pitchFamily="34" charset="0"/>
+              <a:buNone/>
+              <a:defRPr sz="1600" kern="1200">
+                <a:solidFill>
+                  <a:schemeClr val="tx1"/>
+                </a:solidFill>
+                <a:latin typeface="+mn-lt"/>
+                <a:ea typeface="+mn-ea"/>
+                <a:cs typeface="+mn-cs"/>
+              </a:defRPr>
+            </a:lvl8pPr>
+            <a:lvl9pPr marL="3657600" indent="0" algn="ctr" defTabSz="914400" rtl="0" eaLnBrk="1" latinLnBrk="0" hangingPunct="1">
+              <a:lnSpc>
+                <a:spcPct val="90000"/>
+              </a:lnSpc>
+              <a:spcBef>
+                <a:spcPts val="500"/>
+              </a:spcBef>
+              <a:buFont typeface="Arial" panose="020B0604020202020204" pitchFamily="34" charset="0"/>
+              <a:buNone/>
+              <a:defRPr sz="1600" kern="1200">
+                <a:solidFill>
+                  <a:schemeClr val="tx1"/>
+                </a:solidFill>
+                <a:latin typeface="+mn-lt"/>
+                <a:ea typeface="+mn-ea"/>
+                <a:cs typeface="+mn-cs"/>
+              </a:defRPr>
+            </a:lvl9pPr>
+          </a:lstStyle>
+          <a:p>
+            <a:r>
+              <a:rPr lang="de-DE" sz="1000" dirty="0"/>
+              <a:t>   3406</a:t>
+            </a:r>
+          </a:p>
+        </p:txBody>
+      </p:sp>
+      <p:sp>
+        <p:nvSpPr>
+          <p:cNvPr id="13" name="Untertitel 2">
+            <a:extLst>
+              <a:ext uri="{FF2B5EF4-FFF2-40B4-BE49-F238E27FC236}">
+                <a16:creationId xmlns:a16="http://schemas.microsoft.com/office/drawing/2014/main" id="{81048B22-D2B0-3757-79A8-B20FE42885CF}"/>
+              </a:ext>
+            </a:extLst>
+          </p:cNvPr>
+          <p:cNvSpPr txBox="1">
+            <a:spLocks/>
+          </p:cNvSpPr>
+          <p:nvPr/>
+        </p:nvSpPr>
+        <p:spPr>
+          <a:xfrm>
+            <a:off x="4668712" y="5190147"/>
+            <a:ext cx="690197" cy="213822"/>
+          </a:xfrm>
+          <a:prstGeom prst="rect">
+            <a:avLst/>
+          </a:prstGeom>
+        </p:spPr>
+        <p:txBody>
+          <a:bodyPr vert="horz" lIns="91440" tIns="45720" rIns="91440" bIns="45720" rtlCol="0">
+            <a:normAutofit fontScale="92500" lnSpcReduction="10000"/>
+          </a:bodyPr>
+          <a:lstStyle>
+            <a:lvl1pPr marL="0" indent="0" algn="ctr" defTabSz="914400" rtl="0" eaLnBrk="1" latinLnBrk="0" hangingPunct="1">
+              <a:lnSpc>
+                <a:spcPct val="90000"/>
+              </a:lnSpc>
+              <a:spcBef>
+                <a:spcPts val="1000"/>
+              </a:spcBef>
+              <a:buFont typeface="Arial" panose="020B0604020202020204" pitchFamily="34" charset="0"/>
+              <a:buNone/>
+              <a:defRPr sz="2400" kern="1200">
+                <a:solidFill>
+                  <a:schemeClr val="tx1"/>
+                </a:solidFill>
+                <a:latin typeface="+mn-lt"/>
+                <a:ea typeface="+mn-ea"/>
+                <a:cs typeface="+mn-cs"/>
+              </a:defRPr>
+            </a:lvl1pPr>
+            <a:lvl2pPr marL="457200" indent="0" algn="ctr" defTabSz="914400" rtl="0" eaLnBrk="1" latinLnBrk="0" hangingPunct="1">
+              <a:lnSpc>
+                <a:spcPct val="90000"/>
+              </a:lnSpc>
+              <a:spcBef>
+                <a:spcPts val="500"/>
+              </a:spcBef>
+              <a:buFont typeface="Arial" panose="020B0604020202020204" pitchFamily="34" charset="0"/>
+              <a:buNone/>
+              <a:defRPr sz="2000" kern="1200">
+                <a:solidFill>
+                  <a:schemeClr val="tx1"/>
+                </a:solidFill>
+                <a:latin typeface="+mn-lt"/>
+                <a:ea typeface="+mn-ea"/>
+                <a:cs typeface="+mn-cs"/>
+              </a:defRPr>
+            </a:lvl2pPr>
+            <a:lvl3pPr marL="914400" indent="0" algn="ctr" defTabSz="914400" rtl="0" eaLnBrk="1" latinLnBrk="0" hangingPunct="1">
+              <a:lnSpc>
+                <a:spcPct val="90000"/>
+              </a:lnSpc>
+              <a:spcBef>
+                <a:spcPts val="500"/>
+              </a:spcBef>
+              <a:buFont typeface="Arial" panose="020B0604020202020204" pitchFamily="34" charset="0"/>
+              <a:buNone/>
+              <a:defRPr sz="1800" kern="1200">
+                <a:solidFill>
+                  <a:schemeClr val="tx1"/>
+                </a:solidFill>
+                <a:latin typeface="+mn-lt"/>
+                <a:ea typeface="+mn-ea"/>
+                <a:cs typeface="+mn-cs"/>
+              </a:defRPr>
+            </a:lvl3pPr>
+            <a:lvl4pPr marL="1371600" indent="0" algn="ctr" defTabSz="914400" rtl="0" eaLnBrk="1" latinLnBrk="0" hangingPunct="1">
+              <a:lnSpc>
+                <a:spcPct val="90000"/>
+              </a:lnSpc>
+              <a:spcBef>
+                <a:spcPts val="500"/>
+              </a:spcBef>
+              <a:buFont typeface="Arial" panose="020B0604020202020204" pitchFamily="34" charset="0"/>
+              <a:buNone/>
+              <a:defRPr sz="1600" kern="1200">
+                <a:solidFill>
+                  <a:schemeClr val="tx1"/>
+                </a:solidFill>
+                <a:latin typeface="+mn-lt"/>
+                <a:ea typeface="+mn-ea"/>
+                <a:cs typeface="+mn-cs"/>
+              </a:defRPr>
+            </a:lvl4pPr>
+            <a:lvl5pPr marL="1828800" indent="0" algn="ctr" defTabSz="914400" rtl="0" eaLnBrk="1" latinLnBrk="0" hangingPunct="1">
+              <a:lnSpc>
+                <a:spcPct val="90000"/>
+              </a:lnSpc>
+              <a:spcBef>
+                <a:spcPts val="500"/>
+              </a:spcBef>
+              <a:buFont typeface="Arial" panose="020B0604020202020204" pitchFamily="34" charset="0"/>
+              <a:buNone/>
+              <a:defRPr sz="1600" kern="1200">
+                <a:solidFill>
+                  <a:schemeClr val="tx1"/>
+                </a:solidFill>
+                <a:latin typeface="+mn-lt"/>
+                <a:ea typeface="+mn-ea"/>
+                <a:cs typeface="+mn-cs"/>
+              </a:defRPr>
+            </a:lvl5pPr>
+            <a:lvl6pPr marL="2286000" indent="0" algn="ctr" defTabSz="914400" rtl="0" eaLnBrk="1" latinLnBrk="0" hangingPunct="1">
+              <a:lnSpc>
+                <a:spcPct val="90000"/>
+              </a:lnSpc>
+              <a:spcBef>
+                <a:spcPts val="500"/>
+              </a:spcBef>
+              <a:buFont typeface="Arial" panose="020B0604020202020204" pitchFamily="34" charset="0"/>
+              <a:buNone/>
+              <a:defRPr sz="1600" kern="1200">
+                <a:solidFill>
+                  <a:schemeClr val="tx1"/>
+                </a:solidFill>
+                <a:latin typeface="+mn-lt"/>
+                <a:ea typeface="+mn-ea"/>
+                <a:cs typeface="+mn-cs"/>
+              </a:defRPr>
+            </a:lvl6pPr>
+            <a:lvl7pPr marL="2743200" indent="0" algn="ctr" defTabSz="914400" rtl="0" eaLnBrk="1" latinLnBrk="0" hangingPunct="1">
+              <a:lnSpc>
+                <a:spcPct val="90000"/>
+              </a:lnSpc>
+              <a:spcBef>
+                <a:spcPts val="500"/>
+              </a:spcBef>
+              <a:buFont typeface="Arial" panose="020B0604020202020204" pitchFamily="34" charset="0"/>
+              <a:buNone/>
+              <a:defRPr sz="1600" kern="1200">
+                <a:solidFill>
+                  <a:schemeClr val="tx1"/>
+                </a:solidFill>
+                <a:latin typeface="+mn-lt"/>
+                <a:ea typeface="+mn-ea"/>
+                <a:cs typeface="+mn-cs"/>
+              </a:defRPr>
+            </a:lvl7pPr>
+            <a:lvl8pPr marL="3200400" indent="0" algn="ctr" defTabSz="914400" rtl="0" eaLnBrk="1" latinLnBrk="0" hangingPunct="1">
+              <a:lnSpc>
+                <a:spcPct val="90000"/>
+              </a:lnSpc>
+              <a:spcBef>
+                <a:spcPts val="500"/>
+              </a:spcBef>
+              <a:buFont typeface="Arial" panose="020B0604020202020204" pitchFamily="34" charset="0"/>
+              <a:buNone/>
+              <a:defRPr sz="1600" kern="1200">
+                <a:solidFill>
+                  <a:schemeClr val="tx1"/>
+                </a:solidFill>
+                <a:latin typeface="+mn-lt"/>
+                <a:ea typeface="+mn-ea"/>
+                <a:cs typeface="+mn-cs"/>
+              </a:defRPr>
+            </a:lvl8pPr>
+            <a:lvl9pPr marL="3657600" indent="0" algn="ctr" defTabSz="914400" rtl="0" eaLnBrk="1" latinLnBrk="0" hangingPunct="1">
+              <a:lnSpc>
+                <a:spcPct val="90000"/>
+              </a:lnSpc>
+              <a:spcBef>
+                <a:spcPts val="500"/>
+              </a:spcBef>
+              <a:buFont typeface="Arial" panose="020B0604020202020204" pitchFamily="34" charset="0"/>
+              <a:buNone/>
+              <a:defRPr sz="1600" kern="1200">
+                <a:solidFill>
+                  <a:schemeClr val="tx1"/>
+                </a:solidFill>
+                <a:latin typeface="+mn-lt"/>
+                <a:ea typeface="+mn-ea"/>
+                <a:cs typeface="+mn-cs"/>
+              </a:defRPr>
+            </a:lvl9pPr>
+          </a:lstStyle>
+          <a:p>
+            <a:r>
+              <a:rPr lang="de-DE" sz="1000" dirty="0"/>
+              <a:t>   </a:t>
+            </a:r>
+            <a:r>
+              <a:rPr lang="de-DE" sz="1000" dirty="0" err="1"/>
+              <a:t>localHost</a:t>
+            </a:r>
+            <a:endParaRPr lang="de-DE" sz="1000" dirty="0"/>
+          </a:p>
+        </p:txBody>
+      </p:sp>
+      <p:sp>
+        <p:nvSpPr>
+          <p:cNvPr id="14" name="Rechteck 12">
+            <a:extLst>
+              <a:ext uri="{FF2B5EF4-FFF2-40B4-BE49-F238E27FC236}">
+                <a16:creationId xmlns:a16="http://schemas.microsoft.com/office/drawing/2014/main" id="{C386DE32-954A-584E-0920-963C3F127B55}"/>
+              </a:ext>
+            </a:extLst>
+          </p:cNvPr>
+          <p:cNvSpPr/>
+          <p:nvPr/>
+        </p:nvSpPr>
+        <p:spPr>
+          <a:xfrm flipH="1">
+            <a:off x="5868851" y="5083844"/>
+            <a:ext cx="474793" cy="426427"/>
+          </a:xfrm>
+          <a:prstGeom prst="rect">
+            <a:avLst/>
+          </a:prstGeom>
+        </p:spPr>
+        <p:style>
+          <a:lnRef idx="2">
+            <a:schemeClr val="dk1"/>
+          </a:lnRef>
+          <a:fillRef idx="1">
+            <a:schemeClr val="lt1"/>
+          </a:fillRef>
+          <a:effectRef idx="0">
+            <a:schemeClr val="dk1"/>
+          </a:effectRef>
+          <a:fontRef idx="minor">
+            <a:schemeClr val="dk1"/>
+          </a:fontRef>
+        </p:style>
+        <p:txBody>
+          <a:bodyPr rtlCol="0" anchor="ctr"/>
+          <a:lstStyle/>
+          <a:p>
+            <a:pPr algn="ctr"/>
+            <a:endParaRPr lang="de-DE" sz="1000" dirty="0"/>
+          </a:p>
+        </p:txBody>
+      </p:sp>
+      <p:sp>
+        <p:nvSpPr>
+          <p:cNvPr id="15" name="Rechteck 13">
+            <a:extLst>
+              <a:ext uri="{FF2B5EF4-FFF2-40B4-BE49-F238E27FC236}">
+                <a16:creationId xmlns:a16="http://schemas.microsoft.com/office/drawing/2014/main" id="{06C72841-2BE7-9BEA-3B4C-79626751ABD2}"/>
+              </a:ext>
+            </a:extLst>
+          </p:cNvPr>
+          <p:cNvSpPr/>
+          <p:nvPr/>
+        </p:nvSpPr>
+        <p:spPr>
+          <a:xfrm flipH="1">
+            <a:off x="7148137" y="5083844"/>
+            <a:ext cx="474793" cy="426427"/>
+          </a:xfrm>
+          <a:prstGeom prst="rect">
+            <a:avLst/>
+          </a:prstGeom>
+        </p:spPr>
+        <p:style>
+          <a:lnRef idx="2">
+            <a:schemeClr val="dk1"/>
+          </a:lnRef>
+          <a:fillRef idx="1">
+            <a:schemeClr val="lt1"/>
+          </a:fillRef>
+          <a:effectRef idx="0">
+            <a:schemeClr val="dk1"/>
+          </a:effectRef>
+          <a:fontRef idx="minor">
+            <a:schemeClr val="dk1"/>
+          </a:fontRef>
+        </p:style>
+        <p:txBody>
+          <a:bodyPr rtlCol="0" anchor="ctr"/>
+          <a:lstStyle/>
+          <a:p>
+            <a:pPr algn="ctr"/>
+            <a:endParaRPr lang="de-DE" sz="1000" dirty="0"/>
+          </a:p>
+        </p:txBody>
+      </p:sp>
+      <p:sp>
+        <p:nvSpPr>
+          <p:cNvPr id="16" name="Textfeld 14">
+            <a:extLst>
+              <a:ext uri="{FF2B5EF4-FFF2-40B4-BE49-F238E27FC236}">
+                <a16:creationId xmlns:a16="http://schemas.microsoft.com/office/drawing/2014/main" id="{0C969BF1-3E10-07FC-0CB0-CCA868C43EE1}"/>
+              </a:ext>
+            </a:extLst>
+          </p:cNvPr>
+          <p:cNvSpPr txBox="1"/>
+          <p:nvPr/>
+        </p:nvSpPr>
+        <p:spPr>
+          <a:xfrm>
+            <a:off x="1190785" y="2254897"/>
+            <a:ext cx="1599605" cy="369332"/>
+          </a:xfrm>
+          <a:prstGeom prst="rect">
+            <a:avLst/>
+          </a:prstGeom>
+          <a:noFill/>
+        </p:spPr>
+        <p:txBody>
+          <a:bodyPr wrap="none" rtlCol="0">
+            <a:spAutoFit/>
+          </a:bodyPr>
+          <a:lstStyle/>
+          <a:p>
+            <a:r>
+              <a:rPr lang="de-DE" dirty="0" err="1"/>
+              <a:t>Your</a:t>
+            </a:r>
+            <a:r>
+              <a:rPr lang="de-DE" dirty="0"/>
+              <a:t> Computer</a:t>
+            </a:r>
+          </a:p>
+        </p:txBody>
+      </p:sp>
+      <p:sp>
+        <p:nvSpPr>
+          <p:cNvPr id="17" name="Rectangle 1">
+            <a:extLst>
+              <a:ext uri="{FF2B5EF4-FFF2-40B4-BE49-F238E27FC236}">
+                <a16:creationId xmlns:a16="http://schemas.microsoft.com/office/drawing/2014/main" id="{04CA8AB4-5690-6824-0E7B-3A00C4BF9E68}"/>
+              </a:ext>
+            </a:extLst>
+          </p:cNvPr>
+          <p:cNvSpPr>
+            <a:spLocks noChangeArrowheads="1"/>
+          </p:cNvSpPr>
+          <p:nvPr/>
+        </p:nvSpPr>
+        <p:spPr bwMode="auto">
+          <a:xfrm>
+            <a:off x="175846" y="6315055"/>
+            <a:ext cx="65" cy="276999"/>
+          </a:xfrm>
+          <a:prstGeom prst="rect">
+            <a:avLst/>
+          </a:prstGeom>
+          <a:solidFill>
+            <a:srgbClr val="FFFFFF"/>
+          </a:solidFill>
+          <a:ln>
+            <a:noFill/>
+          </a:ln>
+          <a:effectLst/>
+          <a:extLst>
+            <a:ext uri="{91240B29-F687-4F45-9708-019B960494DF}">
+              <a14:hiddenLine xmlns:a14="http://schemas.microsoft.com/office/drawing/2010/main" w="9525">
+                <a:solidFill>
+                  <a:schemeClr val="tx1"/>
+                </a:solidFill>
+                <a:miter lim="800000"/>
+                <a:headEnd/>
+                <a:tailEnd/>
+              </a14:hiddenLine>
+            </a:ext>
+            <a:ext uri="{AF507438-7753-43E0-B8FC-AC1667EBCBE1}">
+              <a14:hiddenEffects xmlns:a14="http://schemas.microsoft.com/office/drawing/2010/main">
+                <a:effectLst>
+                  <a:outerShdw dist="35921" dir="2700000" algn="ctr" rotWithShape="0">
+                    <a:schemeClr val="bg2"/>
+                  </a:outerShdw>
+                </a:effectLst>
+              </a14:hiddenEffects>
+            </a:ext>
+          </a:extLst>
+        </p:spPr>
+        <p:txBody>
+          <a:bodyPr vert="horz" wrap="none" lIns="0" tIns="0" rIns="0" bIns="0" numCol="1" anchor="ctr" anchorCtr="0" compatLnSpc="1">
+            <a:prstTxWarp prst="textNoShape">
+              <a:avLst/>
+            </a:prstTxWarp>
+            <a:spAutoFit/>
+          </a:bodyPr>
+          <a:lstStyle/>
+          <a:p>
+            <a:pPr marL="0" marR="0" lvl="0" indent="0" algn="l" defTabSz="914400" rtl="0" eaLnBrk="0" fontAlgn="base" latinLnBrk="0" hangingPunct="0">
+              <a:lnSpc>
+                <a:spcPct val="100000"/>
+              </a:lnSpc>
+              <a:spcBef>
+                <a:spcPct val="0"/>
+              </a:spcBef>
+              <a:spcAft>
+                <a:spcPct val="0"/>
+              </a:spcAft>
+              <a:buClrTx/>
+              <a:buSzTx/>
+              <a:buFontTx/>
+              <a:buNone/>
+              <a:tabLst/>
+            </a:pPr>
+            <a:endParaRPr kumimoji="0" lang="de-DE" altLang="de-DE" sz="1800" b="0" i="0" u="none" strike="noStrike" cap="none" normalizeH="0" baseline="0" dirty="0">
+              <a:ln>
+                <a:noFill/>
+              </a:ln>
+              <a:solidFill>
+                <a:schemeClr val="tx1"/>
+              </a:solidFill>
+              <a:effectLst/>
+              <a:latin typeface="Arial" panose="020B0604020202020204" pitchFamily="34" charset="0"/>
+            </a:endParaRPr>
+          </a:p>
+        </p:txBody>
+      </p:sp>
+      <p:sp>
+        <p:nvSpPr>
+          <p:cNvPr id="18" name="Rechteck 18">
+            <a:extLst>
+              <a:ext uri="{FF2B5EF4-FFF2-40B4-BE49-F238E27FC236}">
+                <a16:creationId xmlns:a16="http://schemas.microsoft.com/office/drawing/2014/main" id="{E0BD25FA-5B00-6493-F8FE-431C72F2A2B4}"/>
+              </a:ext>
+            </a:extLst>
+          </p:cNvPr>
+          <p:cNvSpPr/>
+          <p:nvPr/>
+        </p:nvSpPr>
+        <p:spPr>
+          <a:xfrm>
+            <a:off x="354620" y="5769343"/>
+            <a:ext cx="6096000" cy="400110"/>
+          </a:xfrm>
+          <a:prstGeom prst="rect">
+            <a:avLst/>
+          </a:prstGeom>
+        </p:spPr>
+        <p:txBody>
+          <a:bodyPr>
+            <a:spAutoFit/>
+          </a:bodyPr>
+          <a:lstStyle/>
+          <a:p>
+            <a:r>
+              <a:rPr lang="de-DE" sz="1000" dirty="0" err="1"/>
+              <a:t>docker</a:t>
+            </a:r>
+            <a:r>
+              <a:rPr lang="de-DE" sz="1000" dirty="0"/>
+              <a:t> </a:t>
+            </a:r>
+            <a:r>
+              <a:rPr lang="de-DE" sz="1000" dirty="0" err="1"/>
+              <a:t>run</a:t>
+            </a:r>
+            <a:r>
+              <a:rPr lang="de-DE" sz="1000" dirty="0"/>
+              <a:t> -d -p 3406:3306 --name </a:t>
+            </a:r>
+            <a:r>
+              <a:rPr lang="de-DE" sz="1000" dirty="0" err="1"/>
+              <a:t>db</a:t>
+            </a:r>
+            <a:r>
+              <a:rPr lang="de-DE" sz="1000" dirty="0"/>
+              <a:t> ollyw123/</a:t>
+            </a:r>
+            <a:r>
+              <a:rPr lang="de-DE" sz="1000" dirty="0" err="1"/>
+              <a:t>shape-shop-db:latest</a:t>
+            </a:r>
+            <a:endParaRPr lang="de-DE" sz="1000" dirty="0"/>
+          </a:p>
+          <a:p>
+            <a:r>
+              <a:rPr lang="de-DE" sz="1000" dirty="0" err="1"/>
+              <a:t>jdbc:mysql</a:t>
+            </a:r>
+            <a:r>
+              <a:rPr lang="de-DE" sz="1000" dirty="0"/>
+              <a:t>://localhost:3406/</a:t>
+            </a:r>
+            <a:r>
+              <a:rPr lang="de-DE" sz="1000" dirty="0" err="1"/>
+              <a:t>db</a:t>
+            </a:r>
+            <a:endParaRPr lang="de-DE" sz="1000" dirty="0"/>
+          </a:p>
+        </p:txBody>
+      </p:sp>
+    </p:spTree>
+    <p:extLst>
+      <p:ext uri="{BB962C8B-B14F-4D97-AF65-F5344CB8AC3E}">
+        <p14:creationId xmlns:p14="http://schemas.microsoft.com/office/powerpoint/2010/main" val="321839937"/>
       </p:ext>
     </p:extLst>
   </p:cSld>

--- a/ShapeShop.pptx
+++ b/ShapeShop.pptx
@@ -242,7 +242,7 @@
           <a:p>
             <a:fld id="{BF307E29-D126-4117-8557-4ECD04A9B3AA}" type="datetimeFigureOut">
               <a:rPr lang="de-DE" smtClean="0"/>
-              <a:t>03.11.2022</a:t>
+              <a:t>10.11.2022</a:t>
             </a:fld>
             <a:endParaRPr lang="de-DE"/>
           </a:p>
@@ -410,7 +410,7 @@
           <a:p>
             <a:fld id="{BF307E29-D126-4117-8557-4ECD04A9B3AA}" type="datetimeFigureOut">
               <a:rPr lang="de-DE" smtClean="0"/>
-              <a:t>03.11.2022</a:t>
+              <a:t>10.11.2022</a:t>
             </a:fld>
             <a:endParaRPr lang="de-DE"/>
           </a:p>
@@ -588,7 +588,7 @@
           <a:p>
             <a:fld id="{BF307E29-D126-4117-8557-4ECD04A9B3AA}" type="datetimeFigureOut">
               <a:rPr lang="de-DE" smtClean="0"/>
-              <a:t>03.11.2022</a:t>
+              <a:t>10.11.2022</a:t>
             </a:fld>
             <a:endParaRPr lang="de-DE"/>
           </a:p>
@@ -756,7 +756,7 @@
           <a:p>
             <a:fld id="{BF307E29-D126-4117-8557-4ECD04A9B3AA}" type="datetimeFigureOut">
               <a:rPr lang="de-DE" smtClean="0"/>
-              <a:t>03.11.2022</a:t>
+              <a:t>10.11.2022</a:t>
             </a:fld>
             <a:endParaRPr lang="de-DE"/>
           </a:p>
@@ -1001,7 +1001,7 @@
           <a:p>
             <a:fld id="{BF307E29-D126-4117-8557-4ECD04A9B3AA}" type="datetimeFigureOut">
               <a:rPr lang="de-DE" smtClean="0"/>
-              <a:t>03.11.2022</a:t>
+              <a:t>10.11.2022</a:t>
             </a:fld>
             <a:endParaRPr lang="de-DE"/>
           </a:p>
@@ -1230,7 +1230,7 @@
           <a:p>
             <a:fld id="{BF307E29-D126-4117-8557-4ECD04A9B3AA}" type="datetimeFigureOut">
               <a:rPr lang="de-DE" smtClean="0"/>
-              <a:t>03.11.2022</a:t>
+              <a:t>10.11.2022</a:t>
             </a:fld>
             <a:endParaRPr lang="de-DE"/>
           </a:p>
@@ -1594,7 +1594,7 @@
           <a:p>
             <a:fld id="{BF307E29-D126-4117-8557-4ECD04A9B3AA}" type="datetimeFigureOut">
               <a:rPr lang="de-DE" smtClean="0"/>
-              <a:t>03.11.2022</a:t>
+              <a:t>10.11.2022</a:t>
             </a:fld>
             <a:endParaRPr lang="de-DE"/>
           </a:p>
@@ -1711,7 +1711,7 @@
           <a:p>
             <a:fld id="{BF307E29-D126-4117-8557-4ECD04A9B3AA}" type="datetimeFigureOut">
               <a:rPr lang="de-DE" smtClean="0"/>
-              <a:t>03.11.2022</a:t>
+              <a:t>10.11.2022</a:t>
             </a:fld>
             <a:endParaRPr lang="de-DE"/>
           </a:p>
@@ -1806,7 +1806,7 @@
           <a:p>
             <a:fld id="{BF307E29-D126-4117-8557-4ECD04A9B3AA}" type="datetimeFigureOut">
               <a:rPr lang="de-DE" smtClean="0"/>
-              <a:t>03.11.2022</a:t>
+              <a:t>10.11.2022</a:t>
             </a:fld>
             <a:endParaRPr lang="de-DE"/>
           </a:p>
@@ -2081,7 +2081,7 @@
           <a:p>
             <a:fld id="{BF307E29-D126-4117-8557-4ECD04A9B3AA}" type="datetimeFigureOut">
               <a:rPr lang="de-DE" smtClean="0"/>
-              <a:t>03.11.2022</a:t>
+              <a:t>10.11.2022</a:t>
             </a:fld>
             <a:endParaRPr lang="de-DE"/>
           </a:p>
@@ -2333,7 +2333,7 @@
           <a:p>
             <a:fld id="{BF307E29-D126-4117-8557-4ECD04A9B3AA}" type="datetimeFigureOut">
               <a:rPr lang="de-DE" smtClean="0"/>
-              <a:t>03.11.2022</a:t>
+              <a:t>10.11.2022</a:t>
             </a:fld>
             <a:endParaRPr lang="de-DE"/>
           </a:p>
@@ -2544,7 +2544,7 @@
           <a:p>
             <a:fld id="{BF307E29-D126-4117-8557-4ECD04A9B3AA}" type="datetimeFigureOut">
               <a:rPr lang="de-DE" smtClean="0"/>
-              <a:t>03.11.2022</a:t>
+              <a:t>10.11.2022</a:t>
             </a:fld>
             <a:endParaRPr lang="de-DE"/>
           </a:p>
@@ -4443,10 +4443,10 @@
       </p:grpSpPr>
       <p:sp>
         <p:nvSpPr>
-          <p:cNvPr id="4" name="Rechteck 6">
+          <p:cNvPr id="2" name="Rechteck 4">
             <a:extLst>
               <a:ext uri="{FF2B5EF4-FFF2-40B4-BE49-F238E27FC236}">
-                <a16:creationId xmlns:a16="http://schemas.microsoft.com/office/drawing/2014/main" id="{83885F94-A5AA-26F0-A10B-B3649E68299D}"/>
+                <a16:creationId xmlns:a16="http://schemas.microsoft.com/office/drawing/2014/main" id="{DD4C38F2-CE05-3544-2801-9A5FC59EEA8E}"/>
               </a:ext>
             </a:extLst>
           </p:cNvPr>
@@ -4455,8 +4455,8 @@
         </p:nvSpPr>
         <p:spPr>
           <a:xfrm>
-            <a:off x="3683977" y="927285"/>
-            <a:ext cx="7877907" cy="4404946"/>
+            <a:off x="3159955" y="576072"/>
+            <a:ext cx="1787770" cy="685800"/>
           </a:xfrm>
           <a:prstGeom prst="rect">
             <a:avLst/>
@@ -4481,216 +4481,19 @@
           <a:lstStyle/>
           <a:p>
             <a:pPr algn="ctr"/>
-            <a:endParaRPr lang="de-DE"/>
-          </a:p>
-        </p:txBody>
-      </p:sp>
-      <p:sp>
-        <p:nvSpPr>
-          <p:cNvPr id="5" name="Untertitel 2">
+            <a:r>
+              <a:rPr lang="de-DE" dirty="0"/>
+              <a:t>Context</a:t>
+            </a:r>
+          </a:p>
+        </p:txBody>
+      </p:sp>
+      <p:sp>
+        <p:nvSpPr>
+          <p:cNvPr id="3" name="Rechteck 4">
             <a:extLst>
               <a:ext uri="{FF2B5EF4-FFF2-40B4-BE49-F238E27FC236}">
-                <a16:creationId xmlns:a16="http://schemas.microsoft.com/office/drawing/2014/main" id="{6121F4F0-B9A8-1476-A884-5D3F4DD34FB9}"/>
-              </a:ext>
-            </a:extLst>
-          </p:cNvPr>
-          <p:cNvSpPr txBox="1">
-            <a:spLocks/>
-          </p:cNvSpPr>
-          <p:nvPr/>
-        </p:nvSpPr>
-        <p:spPr>
-          <a:xfrm>
-            <a:off x="35163" y="102698"/>
-            <a:ext cx="6084278" cy="565516"/>
-          </a:xfrm>
-          <a:prstGeom prst="rect">
-            <a:avLst/>
-          </a:prstGeom>
-        </p:spPr>
-        <p:txBody>
-          <a:bodyPr vert="horz" lIns="91440" tIns="45720" rIns="91440" bIns="45720" rtlCol="0">
-            <a:normAutofit fontScale="85000" lnSpcReduction="10000"/>
-          </a:bodyPr>
-          <a:lstStyle>
-            <a:lvl1pPr marL="228600" indent="-228600" algn="l" defTabSz="914400" rtl="0" eaLnBrk="1" latinLnBrk="0" hangingPunct="1">
-              <a:lnSpc>
-                <a:spcPct val="90000"/>
-              </a:lnSpc>
-              <a:spcBef>
-                <a:spcPts val="1000"/>
-              </a:spcBef>
-              <a:buFont typeface="Arial" panose="020B0604020202020204" pitchFamily="34" charset="0"/>
-              <a:buChar char="•"/>
-              <a:defRPr sz="2800" kern="1200">
-                <a:solidFill>
-                  <a:schemeClr val="tx1"/>
-                </a:solidFill>
-                <a:latin typeface="+mn-lt"/>
-                <a:ea typeface="+mn-ea"/>
-                <a:cs typeface="+mn-cs"/>
-              </a:defRPr>
-            </a:lvl1pPr>
-            <a:lvl2pPr marL="685800" indent="-228600" algn="l" defTabSz="914400" rtl="0" eaLnBrk="1" latinLnBrk="0" hangingPunct="1">
-              <a:lnSpc>
-                <a:spcPct val="90000"/>
-              </a:lnSpc>
-              <a:spcBef>
-                <a:spcPts val="500"/>
-              </a:spcBef>
-              <a:buFont typeface="Arial" panose="020B0604020202020204" pitchFamily="34" charset="0"/>
-              <a:buChar char="•"/>
-              <a:defRPr sz="2400" kern="1200">
-                <a:solidFill>
-                  <a:schemeClr val="tx1"/>
-                </a:solidFill>
-                <a:latin typeface="+mn-lt"/>
-                <a:ea typeface="+mn-ea"/>
-                <a:cs typeface="+mn-cs"/>
-              </a:defRPr>
-            </a:lvl2pPr>
-            <a:lvl3pPr marL="1143000" indent="-228600" algn="l" defTabSz="914400" rtl="0" eaLnBrk="1" latinLnBrk="0" hangingPunct="1">
-              <a:lnSpc>
-                <a:spcPct val="90000"/>
-              </a:lnSpc>
-              <a:spcBef>
-                <a:spcPts val="500"/>
-              </a:spcBef>
-              <a:buFont typeface="Arial" panose="020B0604020202020204" pitchFamily="34" charset="0"/>
-              <a:buChar char="•"/>
-              <a:defRPr sz="2000" kern="1200">
-                <a:solidFill>
-                  <a:schemeClr val="tx1"/>
-                </a:solidFill>
-                <a:latin typeface="+mn-lt"/>
-                <a:ea typeface="+mn-ea"/>
-                <a:cs typeface="+mn-cs"/>
-              </a:defRPr>
-            </a:lvl3pPr>
-            <a:lvl4pPr marL="1600200" indent="-228600" algn="l" defTabSz="914400" rtl="0" eaLnBrk="1" latinLnBrk="0" hangingPunct="1">
-              <a:lnSpc>
-                <a:spcPct val="90000"/>
-              </a:lnSpc>
-              <a:spcBef>
-                <a:spcPts val="500"/>
-              </a:spcBef>
-              <a:buFont typeface="Arial" panose="020B0604020202020204" pitchFamily="34" charset="0"/>
-              <a:buChar char="•"/>
-              <a:defRPr sz="1800" kern="1200">
-                <a:solidFill>
-                  <a:schemeClr val="tx1"/>
-                </a:solidFill>
-                <a:latin typeface="+mn-lt"/>
-                <a:ea typeface="+mn-ea"/>
-                <a:cs typeface="+mn-cs"/>
-              </a:defRPr>
-            </a:lvl4pPr>
-            <a:lvl5pPr marL="2057400" indent="-228600" algn="l" defTabSz="914400" rtl="0" eaLnBrk="1" latinLnBrk="0" hangingPunct="1">
-              <a:lnSpc>
-                <a:spcPct val="90000"/>
-              </a:lnSpc>
-              <a:spcBef>
-                <a:spcPts val="500"/>
-              </a:spcBef>
-              <a:buFont typeface="Arial" panose="020B0604020202020204" pitchFamily="34" charset="0"/>
-              <a:buChar char="•"/>
-              <a:defRPr sz="1800" kern="1200">
-                <a:solidFill>
-                  <a:schemeClr val="tx1"/>
-                </a:solidFill>
-                <a:latin typeface="+mn-lt"/>
-                <a:ea typeface="+mn-ea"/>
-                <a:cs typeface="+mn-cs"/>
-              </a:defRPr>
-            </a:lvl5pPr>
-            <a:lvl6pPr marL="2514600" indent="-228600" algn="l" defTabSz="914400" rtl="0" eaLnBrk="1" latinLnBrk="0" hangingPunct="1">
-              <a:lnSpc>
-                <a:spcPct val="90000"/>
-              </a:lnSpc>
-              <a:spcBef>
-                <a:spcPts val="500"/>
-              </a:spcBef>
-              <a:buFont typeface="Arial" panose="020B0604020202020204" pitchFamily="34" charset="0"/>
-              <a:buChar char="•"/>
-              <a:defRPr sz="1800" kern="1200">
-                <a:solidFill>
-                  <a:schemeClr val="tx1"/>
-                </a:solidFill>
-                <a:latin typeface="+mn-lt"/>
-                <a:ea typeface="+mn-ea"/>
-                <a:cs typeface="+mn-cs"/>
-              </a:defRPr>
-            </a:lvl6pPr>
-            <a:lvl7pPr marL="2971800" indent="-228600" algn="l" defTabSz="914400" rtl="0" eaLnBrk="1" latinLnBrk="0" hangingPunct="1">
-              <a:lnSpc>
-                <a:spcPct val="90000"/>
-              </a:lnSpc>
-              <a:spcBef>
-                <a:spcPts val="500"/>
-              </a:spcBef>
-              <a:buFont typeface="Arial" panose="020B0604020202020204" pitchFamily="34" charset="0"/>
-              <a:buChar char="•"/>
-              <a:defRPr sz="1800" kern="1200">
-                <a:solidFill>
-                  <a:schemeClr val="tx1"/>
-                </a:solidFill>
-                <a:latin typeface="+mn-lt"/>
-                <a:ea typeface="+mn-ea"/>
-                <a:cs typeface="+mn-cs"/>
-              </a:defRPr>
-            </a:lvl7pPr>
-            <a:lvl8pPr marL="3429000" indent="-228600" algn="l" defTabSz="914400" rtl="0" eaLnBrk="1" latinLnBrk="0" hangingPunct="1">
-              <a:lnSpc>
-                <a:spcPct val="90000"/>
-              </a:lnSpc>
-              <a:spcBef>
-                <a:spcPts val="500"/>
-              </a:spcBef>
-              <a:buFont typeface="Arial" panose="020B0604020202020204" pitchFamily="34" charset="0"/>
-              <a:buChar char="•"/>
-              <a:defRPr sz="1800" kern="1200">
-                <a:solidFill>
-                  <a:schemeClr val="tx1"/>
-                </a:solidFill>
-                <a:latin typeface="+mn-lt"/>
-                <a:ea typeface="+mn-ea"/>
-                <a:cs typeface="+mn-cs"/>
-              </a:defRPr>
-            </a:lvl8pPr>
-            <a:lvl9pPr marL="3886200" indent="-228600" algn="l" defTabSz="914400" rtl="0" eaLnBrk="1" latinLnBrk="0" hangingPunct="1">
-              <a:lnSpc>
-                <a:spcPct val="90000"/>
-              </a:lnSpc>
-              <a:spcBef>
-                <a:spcPts val="500"/>
-              </a:spcBef>
-              <a:buFont typeface="Arial" panose="020B0604020202020204" pitchFamily="34" charset="0"/>
-              <a:buChar char="•"/>
-              <a:defRPr sz="1800" kern="1200">
-                <a:solidFill>
-                  <a:schemeClr val="tx1"/>
-                </a:solidFill>
-                <a:latin typeface="+mn-lt"/>
-                <a:ea typeface="+mn-ea"/>
-                <a:cs typeface="+mn-cs"/>
-              </a:defRPr>
-            </a:lvl9pPr>
-          </a:lstStyle>
-          <a:p>
-            <a:r>
-              <a:rPr lang="de-DE"/>
-              <a:t>Docker. An Explanation of Ports… and Things</a:t>
-            </a:r>
-            <a:endParaRPr lang="de-DE" dirty="0"/>
-          </a:p>
-        </p:txBody>
-      </p:sp>
-      <p:sp>
-        <p:nvSpPr>
-          <p:cNvPr id="6" name="Rechteck 3">
-            <a:extLst>
-              <a:ext uri="{FF2B5EF4-FFF2-40B4-BE49-F238E27FC236}">
-                <a16:creationId xmlns:a16="http://schemas.microsoft.com/office/drawing/2014/main" id="{9F9441E5-EB06-92C5-6AE5-DCA1DBEE4070}"/>
+                <a16:creationId xmlns:a16="http://schemas.microsoft.com/office/drawing/2014/main" id="{03922E44-44CA-B1E0-83F2-A48093DCCAB2}"/>
               </a:ext>
             </a:extLst>
           </p:cNvPr>
@@ -4699,8 +4502,8 @@
         </p:nvSpPr>
         <p:spPr>
           <a:xfrm>
-            <a:off x="3815861" y="1063565"/>
-            <a:ext cx="7614138" cy="4132385"/>
+            <a:off x="5920622" y="1405128"/>
+            <a:ext cx="1787770" cy="685800"/>
           </a:xfrm>
           <a:prstGeom prst="rect">
             <a:avLst/>
@@ -4725,16 +4528,19 @@
           <a:lstStyle/>
           <a:p>
             <a:pPr algn="ctr"/>
-            <a:endParaRPr lang="de-DE"/>
-          </a:p>
-        </p:txBody>
-      </p:sp>
-      <p:sp>
-        <p:nvSpPr>
-          <p:cNvPr id="7" name="Rechteck 4">
+            <a:r>
+              <a:rPr lang="de-DE" dirty="0"/>
+              <a:t>Resource Group</a:t>
+            </a:r>
+          </a:p>
+        </p:txBody>
+      </p:sp>
+      <p:sp>
+        <p:nvSpPr>
+          <p:cNvPr id="19" name="Rechteck 4">
             <a:extLst>
               <a:ext uri="{FF2B5EF4-FFF2-40B4-BE49-F238E27FC236}">
-                <a16:creationId xmlns:a16="http://schemas.microsoft.com/office/drawing/2014/main" id="{5E643DC9-840C-3C15-D777-9B6331B84771}"/>
+                <a16:creationId xmlns:a16="http://schemas.microsoft.com/office/drawing/2014/main" id="{8E844648-3F9C-72CA-C228-97D35139ACF7}"/>
               </a:ext>
             </a:extLst>
           </p:cNvPr>
@@ -4743,8 +4549,8 @@
         </p:nvSpPr>
         <p:spPr>
           <a:xfrm>
-            <a:off x="4003430" y="1665840"/>
-            <a:ext cx="2731477" cy="1547446"/>
+            <a:off x="2214254" y="2667816"/>
+            <a:ext cx="1891402" cy="761184"/>
           </a:xfrm>
           <a:prstGeom prst="rect">
             <a:avLst/>
@@ -4770,19 +4576,18 @@
           <a:p>
             <a:pPr algn="ctr"/>
             <a:r>
-              <a:rPr lang="de-DE"/>
-              <a:t>shape-shop-server</a:t>
-            </a:r>
-            <a:endParaRPr lang="de-DE" dirty="0"/>
-          </a:p>
-        </p:txBody>
-      </p:sp>
-      <p:sp>
-        <p:nvSpPr>
-          <p:cNvPr id="8" name="Rechteck 5">
+              <a:rPr lang="de-DE" dirty="0"/>
+              <a:t>Container Registry</a:t>
+            </a:r>
+          </a:p>
+        </p:txBody>
+      </p:sp>
+      <p:sp>
+        <p:nvSpPr>
+          <p:cNvPr id="20" name="Rechteck 4">
             <a:extLst>
               <a:ext uri="{FF2B5EF4-FFF2-40B4-BE49-F238E27FC236}">
-                <a16:creationId xmlns:a16="http://schemas.microsoft.com/office/drawing/2014/main" id="{D4E58C8C-928B-0D55-3C44-A83FD1FC1F1D}"/>
+                <a16:creationId xmlns:a16="http://schemas.microsoft.com/office/drawing/2014/main" id="{EAF1B296-A4DC-FBF9-A167-E06A49EF7AB2}"/>
               </a:ext>
             </a:extLst>
           </p:cNvPr>
@@ -4791,8 +4596,8 @@
         </p:nvSpPr>
         <p:spPr>
           <a:xfrm>
-            <a:off x="8156330" y="1665840"/>
-            <a:ext cx="2731477" cy="1547446"/>
+            <a:off x="687206" y="500688"/>
+            <a:ext cx="1787770" cy="761184"/>
           </a:xfrm>
           <a:prstGeom prst="rect">
             <a:avLst/>
@@ -4819,1048 +4624,17 @@
             <a:pPr algn="ctr"/>
             <a:r>
               <a:rPr lang="de-DE" dirty="0"/>
-              <a:t>MySQL</a:t>
-            </a:r>
-          </a:p>
-          <a:p>
-            <a:pPr algn="ctr"/>
-            <a:r>
-              <a:rPr lang="de-DE" sz="1000" dirty="0"/>
-              <a:t>(3306 </a:t>
-            </a:r>
-            <a:r>
-              <a:rPr lang="de-DE" sz="1000" dirty="0" err="1"/>
-              <a:t>is</a:t>
-            </a:r>
-            <a:r>
-              <a:rPr lang="de-DE" sz="1000" dirty="0"/>
-              <a:t> </a:t>
-            </a:r>
-            <a:r>
-              <a:rPr lang="de-DE" sz="1000" dirty="0" err="1"/>
-              <a:t>preconfigured</a:t>
-            </a:r>
-            <a:r>
-              <a:rPr lang="de-DE" sz="1000" dirty="0"/>
-              <a:t> </a:t>
-            </a:r>
-            <a:r>
-              <a:rPr lang="de-DE" sz="1000" dirty="0" err="1"/>
-              <a:t>port</a:t>
-            </a:r>
-            <a:r>
-              <a:rPr lang="de-DE" sz="1000" dirty="0"/>
-              <a:t>)</a:t>
-            </a:r>
-          </a:p>
-        </p:txBody>
-      </p:sp>
-      <p:sp>
-        <p:nvSpPr>
-          <p:cNvPr id="9" name="Untertitel 2">
+              <a:t>Subscription</a:t>
+            </a:r>
+          </a:p>
+        </p:txBody>
+      </p:sp>
+      <p:sp>
+        <p:nvSpPr>
+          <p:cNvPr id="21" name="Rechteck 4">
             <a:extLst>
               <a:ext uri="{FF2B5EF4-FFF2-40B4-BE49-F238E27FC236}">
-                <a16:creationId xmlns:a16="http://schemas.microsoft.com/office/drawing/2014/main" id="{3D7202FD-EDEA-9AD0-2707-31D0B7BC1A5D}"/>
-              </a:ext>
-            </a:extLst>
-          </p:cNvPr>
-          <p:cNvSpPr txBox="1">
-            <a:spLocks/>
-          </p:cNvSpPr>
-          <p:nvPr/>
-        </p:nvSpPr>
-        <p:spPr>
-          <a:xfrm>
-            <a:off x="6159010" y="1465204"/>
-            <a:ext cx="690197" cy="213822"/>
-          </a:xfrm>
-          <a:prstGeom prst="rect">
-            <a:avLst/>
-          </a:prstGeom>
-        </p:spPr>
-        <p:txBody>
-          <a:bodyPr vert="horz" lIns="91440" tIns="45720" rIns="91440" bIns="45720" rtlCol="0">
-            <a:normAutofit fontScale="92500" lnSpcReduction="10000"/>
-          </a:bodyPr>
-          <a:lstStyle>
-            <a:lvl1pPr marL="0" indent="0" algn="ctr" defTabSz="914400" rtl="0" eaLnBrk="1" latinLnBrk="0" hangingPunct="1">
-              <a:lnSpc>
-                <a:spcPct val="90000"/>
-              </a:lnSpc>
-              <a:spcBef>
-                <a:spcPts val="1000"/>
-              </a:spcBef>
-              <a:buFont typeface="Arial" panose="020B0604020202020204" pitchFamily="34" charset="0"/>
-              <a:buNone/>
-              <a:defRPr sz="2400" kern="1200">
-                <a:solidFill>
-                  <a:schemeClr val="tx1"/>
-                </a:solidFill>
-                <a:latin typeface="+mn-lt"/>
-                <a:ea typeface="+mn-ea"/>
-                <a:cs typeface="+mn-cs"/>
-              </a:defRPr>
-            </a:lvl1pPr>
-            <a:lvl2pPr marL="457200" indent="0" algn="ctr" defTabSz="914400" rtl="0" eaLnBrk="1" latinLnBrk="0" hangingPunct="1">
-              <a:lnSpc>
-                <a:spcPct val="90000"/>
-              </a:lnSpc>
-              <a:spcBef>
-                <a:spcPts val="500"/>
-              </a:spcBef>
-              <a:buFont typeface="Arial" panose="020B0604020202020204" pitchFamily="34" charset="0"/>
-              <a:buNone/>
-              <a:defRPr sz="2000" kern="1200">
-                <a:solidFill>
-                  <a:schemeClr val="tx1"/>
-                </a:solidFill>
-                <a:latin typeface="+mn-lt"/>
-                <a:ea typeface="+mn-ea"/>
-                <a:cs typeface="+mn-cs"/>
-              </a:defRPr>
-            </a:lvl2pPr>
-            <a:lvl3pPr marL="914400" indent="0" algn="ctr" defTabSz="914400" rtl="0" eaLnBrk="1" latinLnBrk="0" hangingPunct="1">
-              <a:lnSpc>
-                <a:spcPct val="90000"/>
-              </a:lnSpc>
-              <a:spcBef>
-                <a:spcPts val="500"/>
-              </a:spcBef>
-              <a:buFont typeface="Arial" panose="020B0604020202020204" pitchFamily="34" charset="0"/>
-              <a:buNone/>
-              <a:defRPr sz="1800" kern="1200">
-                <a:solidFill>
-                  <a:schemeClr val="tx1"/>
-                </a:solidFill>
-                <a:latin typeface="+mn-lt"/>
-                <a:ea typeface="+mn-ea"/>
-                <a:cs typeface="+mn-cs"/>
-              </a:defRPr>
-            </a:lvl3pPr>
-            <a:lvl4pPr marL="1371600" indent="0" algn="ctr" defTabSz="914400" rtl="0" eaLnBrk="1" latinLnBrk="0" hangingPunct="1">
-              <a:lnSpc>
-                <a:spcPct val="90000"/>
-              </a:lnSpc>
-              <a:spcBef>
-                <a:spcPts val="500"/>
-              </a:spcBef>
-              <a:buFont typeface="Arial" panose="020B0604020202020204" pitchFamily="34" charset="0"/>
-              <a:buNone/>
-              <a:defRPr sz="1600" kern="1200">
-                <a:solidFill>
-                  <a:schemeClr val="tx1"/>
-                </a:solidFill>
-                <a:latin typeface="+mn-lt"/>
-                <a:ea typeface="+mn-ea"/>
-                <a:cs typeface="+mn-cs"/>
-              </a:defRPr>
-            </a:lvl4pPr>
-            <a:lvl5pPr marL="1828800" indent="0" algn="ctr" defTabSz="914400" rtl="0" eaLnBrk="1" latinLnBrk="0" hangingPunct="1">
-              <a:lnSpc>
-                <a:spcPct val="90000"/>
-              </a:lnSpc>
-              <a:spcBef>
-                <a:spcPts val="500"/>
-              </a:spcBef>
-              <a:buFont typeface="Arial" panose="020B0604020202020204" pitchFamily="34" charset="0"/>
-              <a:buNone/>
-              <a:defRPr sz="1600" kern="1200">
-                <a:solidFill>
-                  <a:schemeClr val="tx1"/>
-                </a:solidFill>
-                <a:latin typeface="+mn-lt"/>
-                <a:ea typeface="+mn-ea"/>
-                <a:cs typeface="+mn-cs"/>
-              </a:defRPr>
-            </a:lvl5pPr>
-            <a:lvl6pPr marL="2286000" indent="0" algn="ctr" defTabSz="914400" rtl="0" eaLnBrk="1" latinLnBrk="0" hangingPunct="1">
-              <a:lnSpc>
-                <a:spcPct val="90000"/>
-              </a:lnSpc>
-              <a:spcBef>
-                <a:spcPts val="500"/>
-              </a:spcBef>
-              <a:buFont typeface="Arial" panose="020B0604020202020204" pitchFamily="34" charset="0"/>
-              <a:buNone/>
-              <a:defRPr sz="1600" kern="1200">
-                <a:solidFill>
-                  <a:schemeClr val="tx1"/>
-                </a:solidFill>
-                <a:latin typeface="+mn-lt"/>
-                <a:ea typeface="+mn-ea"/>
-                <a:cs typeface="+mn-cs"/>
-              </a:defRPr>
-            </a:lvl6pPr>
-            <a:lvl7pPr marL="2743200" indent="0" algn="ctr" defTabSz="914400" rtl="0" eaLnBrk="1" latinLnBrk="0" hangingPunct="1">
-              <a:lnSpc>
-                <a:spcPct val="90000"/>
-              </a:lnSpc>
-              <a:spcBef>
-                <a:spcPts val="500"/>
-              </a:spcBef>
-              <a:buFont typeface="Arial" panose="020B0604020202020204" pitchFamily="34" charset="0"/>
-              <a:buNone/>
-              <a:defRPr sz="1600" kern="1200">
-                <a:solidFill>
-                  <a:schemeClr val="tx1"/>
-                </a:solidFill>
-                <a:latin typeface="+mn-lt"/>
-                <a:ea typeface="+mn-ea"/>
-                <a:cs typeface="+mn-cs"/>
-              </a:defRPr>
-            </a:lvl7pPr>
-            <a:lvl8pPr marL="3200400" indent="0" algn="ctr" defTabSz="914400" rtl="0" eaLnBrk="1" latinLnBrk="0" hangingPunct="1">
-              <a:lnSpc>
-                <a:spcPct val="90000"/>
-              </a:lnSpc>
-              <a:spcBef>
-                <a:spcPts val="500"/>
-              </a:spcBef>
-              <a:buFont typeface="Arial" panose="020B0604020202020204" pitchFamily="34" charset="0"/>
-              <a:buNone/>
-              <a:defRPr sz="1600" kern="1200">
-                <a:solidFill>
-                  <a:schemeClr val="tx1"/>
-                </a:solidFill>
-                <a:latin typeface="+mn-lt"/>
-                <a:ea typeface="+mn-ea"/>
-                <a:cs typeface="+mn-cs"/>
-              </a:defRPr>
-            </a:lvl8pPr>
-            <a:lvl9pPr marL="3657600" indent="0" algn="ctr" defTabSz="914400" rtl="0" eaLnBrk="1" latinLnBrk="0" hangingPunct="1">
-              <a:lnSpc>
-                <a:spcPct val="90000"/>
-              </a:lnSpc>
-              <a:spcBef>
-                <a:spcPts val="500"/>
-              </a:spcBef>
-              <a:buFont typeface="Arial" panose="020B0604020202020204" pitchFamily="34" charset="0"/>
-              <a:buNone/>
-              <a:defRPr sz="1600" kern="1200">
-                <a:solidFill>
-                  <a:schemeClr val="tx1"/>
-                </a:solidFill>
-                <a:latin typeface="+mn-lt"/>
-                <a:ea typeface="+mn-ea"/>
-                <a:cs typeface="+mn-cs"/>
-              </a:defRPr>
-            </a:lvl9pPr>
-          </a:lstStyle>
-          <a:p>
-            <a:r>
-              <a:rPr lang="de-DE" sz="1000" dirty="0"/>
-              <a:t>9090</a:t>
-            </a:r>
-          </a:p>
-        </p:txBody>
-      </p:sp>
-      <p:sp>
-        <p:nvSpPr>
-          <p:cNvPr id="10" name="Untertitel 2">
-            <a:extLst>
-              <a:ext uri="{FF2B5EF4-FFF2-40B4-BE49-F238E27FC236}">
-                <a16:creationId xmlns:a16="http://schemas.microsoft.com/office/drawing/2014/main" id="{6E085840-6ECC-F155-B7B0-EBE405249E40}"/>
-              </a:ext>
-            </a:extLst>
-          </p:cNvPr>
-          <p:cNvSpPr txBox="1">
-            <a:spLocks/>
-          </p:cNvSpPr>
-          <p:nvPr/>
-        </p:nvSpPr>
-        <p:spPr>
-          <a:xfrm>
-            <a:off x="6161207" y="1706992"/>
-            <a:ext cx="690197" cy="213822"/>
-          </a:xfrm>
-          <a:prstGeom prst="rect">
-            <a:avLst/>
-          </a:prstGeom>
-        </p:spPr>
-        <p:txBody>
-          <a:bodyPr vert="horz" lIns="91440" tIns="45720" rIns="91440" bIns="45720" rtlCol="0">
-            <a:normAutofit fontScale="92500" lnSpcReduction="10000"/>
-          </a:bodyPr>
-          <a:lstStyle>
-            <a:lvl1pPr marL="0" indent="0" algn="ctr" defTabSz="914400" rtl="0" eaLnBrk="1" latinLnBrk="0" hangingPunct="1">
-              <a:lnSpc>
-                <a:spcPct val="90000"/>
-              </a:lnSpc>
-              <a:spcBef>
-                <a:spcPts val="1000"/>
-              </a:spcBef>
-              <a:buFont typeface="Arial" panose="020B0604020202020204" pitchFamily="34" charset="0"/>
-              <a:buNone/>
-              <a:defRPr sz="2400" kern="1200">
-                <a:solidFill>
-                  <a:schemeClr val="tx1"/>
-                </a:solidFill>
-                <a:latin typeface="+mn-lt"/>
-                <a:ea typeface="+mn-ea"/>
-                <a:cs typeface="+mn-cs"/>
-              </a:defRPr>
-            </a:lvl1pPr>
-            <a:lvl2pPr marL="457200" indent="0" algn="ctr" defTabSz="914400" rtl="0" eaLnBrk="1" latinLnBrk="0" hangingPunct="1">
-              <a:lnSpc>
-                <a:spcPct val="90000"/>
-              </a:lnSpc>
-              <a:spcBef>
-                <a:spcPts val="500"/>
-              </a:spcBef>
-              <a:buFont typeface="Arial" panose="020B0604020202020204" pitchFamily="34" charset="0"/>
-              <a:buNone/>
-              <a:defRPr sz="2000" kern="1200">
-                <a:solidFill>
-                  <a:schemeClr val="tx1"/>
-                </a:solidFill>
-                <a:latin typeface="+mn-lt"/>
-                <a:ea typeface="+mn-ea"/>
-                <a:cs typeface="+mn-cs"/>
-              </a:defRPr>
-            </a:lvl2pPr>
-            <a:lvl3pPr marL="914400" indent="0" algn="ctr" defTabSz="914400" rtl="0" eaLnBrk="1" latinLnBrk="0" hangingPunct="1">
-              <a:lnSpc>
-                <a:spcPct val="90000"/>
-              </a:lnSpc>
-              <a:spcBef>
-                <a:spcPts val="500"/>
-              </a:spcBef>
-              <a:buFont typeface="Arial" panose="020B0604020202020204" pitchFamily="34" charset="0"/>
-              <a:buNone/>
-              <a:defRPr sz="1800" kern="1200">
-                <a:solidFill>
-                  <a:schemeClr val="tx1"/>
-                </a:solidFill>
-                <a:latin typeface="+mn-lt"/>
-                <a:ea typeface="+mn-ea"/>
-                <a:cs typeface="+mn-cs"/>
-              </a:defRPr>
-            </a:lvl3pPr>
-            <a:lvl4pPr marL="1371600" indent="0" algn="ctr" defTabSz="914400" rtl="0" eaLnBrk="1" latinLnBrk="0" hangingPunct="1">
-              <a:lnSpc>
-                <a:spcPct val="90000"/>
-              </a:lnSpc>
-              <a:spcBef>
-                <a:spcPts val="500"/>
-              </a:spcBef>
-              <a:buFont typeface="Arial" panose="020B0604020202020204" pitchFamily="34" charset="0"/>
-              <a:buNone/>
-              <a:defRPr sz="1600" kern="1200">
-                <a:solidFill>
-                  <a:schemeClr val="tx1"/>
-                </a:solidFill>
-                <a:latin typeface="+mn-lt"/>
-                <a:ea typeface="+mn-ea"/>
-                <a:cs typeface="+mn-cs"/>
-              </a:defRPr>
-            </a:lvl4pPr>
-            <a:lvl5pPr marL="1828800" indent="0" algn="ctr" defTabSz="914400" rtl="0" eaLnBrk="1" latinLnBrk="0" hangingPunct="1">
-              <a:lnSpc>
-                <a:spcPct val="90000"/>
-              </a:lnSpc>
-              <a:spcBef>
-                <a:spcPts val="500"/>
-              </a:spcBef>
-              <a:buFont typeface="Arial" panose="020B0604020202020204" pitchFamily="34" charset="0"/>
-              <a:buNone/>
-              <a:defRPr sz="1600" kern="1200">
-                <a:solidFill>
-                  <a:schemeClr val="tx1"/>
-                </a:solidFill>
-                <a:latin typeface="+mn-lt"/>
-                <a:ea typeface="+mn-ea"/>
-                <a:cs typeface="+mn-cs"/>
-              </a:defRPr>
-            </a:lvl5pPr>
-            <a:lvl6pPr marL="2286000" indent="0" algn="ctr" defTabSz="914400" rtl="0" eaLnBrk="1" latinLnBrk="0" hangingPunct="1">
-              <a:lnSpc>
-                <a:spcPct val="90000"/>
-              </a:lnSpc>
-              <a:spcBef>
-                <a:spcPts val="500"/>
-              </a:spcBef>
-              <a:buFont typeface="Arial" panose="020B0604020202020204" pitchFamily="34" charset="0"/>
-              <a:buNone/>
-              <a:defRPr sz="1600" kern="1200">
-                <a:solidFill>
-                  <a:schemeClr val="tx1"/>
-                </a:solidFill>
-                <a:latin typeface="+mn-lt"/>
-                <a:ea typeface="+mn-ea"/>
-                <a:cs typeface="+mn-cs"/>
-              </a:defRPr>
-            </a:lvl6pPr>
-            <a:lvl7pPr marL="2743200" indent="0" algn="ctr" defTabSz="914400" rtl="0" eaLnBrk="1" latinLnBrk="0" hangingPunct="1">
-              <a:lnSpc>
-                <a:spcPct val="90000"/>
-              </a:lnSpc>
-              <a:spcBef>
-                <a:spcPts val="500"/>
-              </a:spcBef>
-              <a:buFont typeface="Arial" panose="020B0604020202020204" pitchFamily="34" charset="0"/>
-              <a:buNone/>
-              <a:defRPr sz="1600" kern="1200">
-                <a:solidFill>
-                  <a:schemeClr val="tx1"/>
-                </a:solidFill>
-                <a:latin typeface="+mn-lt"/>
-                <a:ea typeface="+mn-ea"/>
-                <a:cs typeface="+mn-cs"/>
-              </a:defRPr>
-            </a:lvl7pPr>
-            <a:lvl8pPr marL="3200400" indent="0" algn="ctr" defTabSz="914400" rtl="0" eaLnBrk="1" latinLnBrk="0" hangingPunct="1">
-              <a:lnSpc>
-                <a:spcPct val="90000"/>
-              </a:lnSpc>
-              <a:spcBef>
-                <a:spcPts val="500"/>
-              </a:spcBef>
-              <a:buFont typeface="Arial" panose="020B0604020202020204" pitchFamily="34" charset="0"/>
-              <a:buNone/>
-              <a:defRPr sz="1600" kern="1200">
-                <a:solidFill>
-                  <a:schemeClr val="tx1"/>
-                </a:solidFill>
-                <a:latin typeface="+mn-lt"/>
-                <a:ea typeface="+mn-ea"/>
-                <a:cs typeface="+mn-cs"/>
-              </a:defRPr>
-            </a:lvl8pPr>
-            <a:lvl9pPr marL="3657600" indent="0" algn="ctr" defTabSz="914400" rtl="0" eaLnBrk="1" latinLnBrk="0" hangingPunct="1">
-              <a:lnSpc>
-                <a:spcPct val="90000"/>
-              </a:lnSpc>
-              <a:spcBef>
-                <a:spcPts val="500"/>
-              </a:spcBef>
-              <a:buFont typeface="Arial" panose="020B0604020202020204" pitchFamily="34" charset="0"/>
-              <a:buNone/>
-              <a:defRPr sz="1600" kern="1200">
-                <a:solidFill>
-                  <a:schemeClr val="tx1"/>
-                </a:solidFill>
-                <a:latin typeface="+mn-lt"/>
-                <a:ea typeface="+mn-ea"/>
-                <a:cs typeface="+mn-cs"/>
-              </a:defRPr>
-            </a:lvl9pPr>
-          </a:lstStyle>
-          <a:p>
-            <a:r>
-              <a:rPr lang="de-DE" sz="1000" dirty="0"/>
-              <a:t>   90</a:t>
-            </a:r>
-          </a:p>
-        </p:txBody>
-      </p:sp>
-      <p:sp>
-        <p:nvSpPr>
-          <p:cNvPr id="11" name="Untertitel 2">
-            <a:extLst>
-              <a:ext uri="{FF2B5EF4-FFF2-40B4-BE49-F238E27FC236}">
-                <a16:creationId xmlns:a16="http://schemas.microsoft.com/office/drawing/2014/main" id="{82A6D578-CF57-205E-3BD5-9E91097923E2}"/>
-              </a:ext>
-            </a:extLst>
-          </p:cNvPr>
-          <p:cNvSpPr txBox="1">
-            <a:spLocks/>
-          </p:cNvSpPr>
-          <p:nvPr/>
-        </p:nvSpPr>
-        <p:spPr>
-          <a:xfrm>
-            <a:off x="10272344" y="1724575"/>
-            <a:ext cx="690197" cy="213822"/>
-          </a:xfrm>
-          <a:prstGeom prst="rect">
-            <a:avLst/>
-          </a:prstGeom>
-        </p:spPr>
-        <p:txBody>
-          <a:bodyPr vert="horz" lIns="91440" tIns="45720" rIns="91440" bIns="45720" rtlCol="0">
-            <a:normAutofit fontScale="92500" lnSpcReduction="10000"/>
-          </a:bodyPr>
-          <a:lstStyle>
-            <a:lvl1pPr marL="0" indent="0" algn="ctr" defTabSz="914400" rtl="0" eaLnBrk="1" latinLnBrk="0" hangingPunct="1">
-              <a:lnSpc>
-                <a:spcPct val="90000"/>
-              </a:lnSpc>
-              <a:spcBef>
-                <a:spcPts val="1000"/>
-              </a:spcBef>
-              <a:buFont typeface="Arial" panose="020B0604020202020204" pitchFamily="34" charset="0"/>
-              <a:buNone/>
-              <a:defRPr sz="2400" kern="1200">
-                <a:solidFill>
-                  <a:schemeClr val="tx1"/>
-                </a:solidFill>
-                <a:latin typeface="+mn-lt"/>
-                <a:ea typeface="+mn-ea"/>
-                <a:cs typeface="+mn-cs"/>
-              </a:defRPr>
-            </a:lvl1pPr>
-            <a:lvl2pPr marL="457200" indent="0" algn="ctr" defTabSz="914400" rtl="0" eaLnBrk="1" latinLnBrk="0" hangingPunct="1">
-              <a:lnSpc>
-                <a:spcPct val="90000"/>
-              </a:lnSpc>
-              <a:spcBef>
-                <a:spcPts val="500"/>
-              </a:spcBef>
-              <a:buFont typeface="Arial" panose="020B0604020202020204" pitchFamily="34" charset="0"/>
-              <a:buNone/>
-              <a:defRPr sz="2000" kern="1200">
-                <a:solidFill>
-                  <a:schemeClr val="tx1"/>
-                </a:solidFill>
-                <a:latin typeface="+mn-lt"/>
-                <a:ea typeface="+mn-ea"/>
-                <a:cs typeface="+mn-cs"/>
-              </a:defRPr>
-            </a:lvl2pPr>
-            <a:lvl3pPr marL="914400" indent="0" algn="ctr" defTabSz="914400" rtl="0" eaLnBrk="1" latinLnBrk="0" hangingPunct="1">
-              <a:lnSpc>
-                <a:spcPct val="90000"/>
-              </a:lnSpc>
-              <a:spcBef>
-                <a:spcPts val="500"/>
-              </a:spcBef>
-              <a:buFont typeface="Arial" panose="020B0604020202020204" pitchFamily="34" charset="0"/>
-              <a:buNone/>
-              <a:defRPr sz="1800" kern="1200">
-                <a:solidFill>
-                  <a:schemeClr val="tx1"/>
-                </a:solidFill>
-                <a:latin typeface="+mn-lt"/>
-                <a:ea typeface="+mn-ea"/>
-                <a:cs typeface="+mn-cs"/>
-              </a:defRPr>
-            </a:lvl3pPr>
-            <a:lvl4pPr marL="1371600" indent="0" algn="ctr" defTabSz="914400" rtl="0" eaLnBrk="1" latinLnBrk="0" hangingPunct="1">
-              <a:lnSpc>
-                <a:spcPct val="90000"/>
-              </a:lnSpc>
-              <a:spcBef>
-                <a:spcPts val="500"/>
-              </a:spcBef>
-              <a:buFont typeface="Arial" panose="020B0604020202020204" pitchFamily="34" charset="0"/>
-              <a:buNone/>
-              <a:defRPr sz="1600" kern="1200">
-                <a:solidFill>
-                  <a:schemeClr val="tx1"/>
-                </a:solidFill>
-                <a:latin typeface="+mn-lt"/>
-                <a:ea typeface="+mn-ea"/>
-                <a:cs typeface="+mn-cs"/>
-              </a:defRPr>
-            </a:lvl4pPr>
-            <a:lvl5pPr marL="1828800" indent="0" algn="ctr" defTabSz="914400" rtl="0" eaLnBrk="1" latinLnBrk="0" hangingPunct="1">
-              <a:lnSpc>
-                <a:spcPct val="90000"/>
-              </a:lnSpc>
-              <a:spcBef>
-                <a:spcPts val="500"/>
-              </a:spcBef>
-              <a:buFont typeface="Arial" panose="020B0604020202020204" pitchFamily="34" charset="0"/>
-              <a:buNone/>
-              <a:defRPr sz="1600" kern="1200">
-                <a:solidFill>
-                  <a:schemeClr val="tx1"/>
-                </a:solidFill>
-                <a:latin typeface="+mn-lt"/>
-                <a:ea typeface="+mn-ea"/>
-                <a:cs typeface="+mn-cs"/>
-              </a:defRPr>
-            </a:lvl5pPr>
-            <a:lvl6pPr marL="2286000" indent="0" algn="ctr" defTabSz="914400" rtl="0" eaLnBrk="1" latinLnBrk="0" hangingPunct="1">
-              <a:lnSpc>
-                <a:spcPct val="90000"/>
-              </a:lnSpc>
-              <a:spcBef>
-                <a:spcPts val="500"/>
-              </a:spcBef>
-              <a:buFont typeface="Arial" panose="020B0604020202020204" pitchFamily="34" charset="0"/>
-              <a:buNone/>
-              <a:defRPr sz="1600" kern="1200">
-                <a:solidFill>
-                  <a:schemeClr val="tx1"/>
-                </a:solidFill>
-                <a:latin typeface="+mn-lt"/>
-                <a:ea typeface="+mn-ea"/>
-                <a:cs typeface="+mn-cs"/>
-              </a:defRPr>
-            </a:lvl6pPr>
-            <a:lvl7pPr marL="2743200" indent="0" algn="ctr" defTabSz="914400" rtl="0" eaLnBrk="1" latinLnBrk="0" hangingPunct="1">
-              <a:lnSpc>
-                <a:spcPct val="90000"/>
-              </a:lnSpc>
-              <a:spcBef>
-                <a:spcPts val="500"/>
-              </a:spcBef>
-              <a:buFont typeface="Arial" panose="020B0604020202020204" pitchFamily="34" charset="0"/>
-              <a:buNone/>
-              <a:defRPr sz="1600" kern="1200">
-                <a:solidFill>
-                  <a:schemeClr val="tx1"/>
-                </a:solidFill>
-                <a:latin typeface="+mn-lt"/>
-                <a:ea typeface="+mn-ea"/>
-                <a:cs typeface="+mn-cs"/>
-              </a:defRPr>
-            </a:lvl7pPr>
-            <a:lvl8pPr marL="3200400" indent="0" algn="ctr" defTabSz="914400" rtl="0" eaLnBrk="1" latinLnBrk="0" hangingPunct="1">
-              <a:lnSpc>
-                <a:spcPct val="90000"/>
-              </a:lnSpc>
-              <a:spcBef>
-                <a:spcPts val="500"/>
-              </a:spcBef>
-              <a:buFont typeface="Arial" panose="020B0604020202020204" pitchFamily="34" charset="0"/>
-              <a:buNone/>
-              <a:defRPr sz="1600" kern="1200">
-                <a:solidFill>
-                  <a:schemeClr val="tx1"/>
-                </a:solidFill>
-                <a:latin typeface="+mn-lt"/>
-                <a:ea typeface="+mn-ea"/>
-                <a:cs typeface="+mn-cs"/>
-              </a:defRPr>
-            </a:lvl8pPr>
-            <a:lvl9pPr marL="3657600" indent="0" algn="ctr" defTabSz="914400" rtl="0" eaLnBrk="1" latinLnBrk="0" hangingPunct="1">
-              <a:lnSpc>
-                <a:spcPct val="90000"/>
-              </a:lnSpc>
-              <a:spcBef>
-                <a:spcPts val="500"/>
-              </a:spcBef>
-              <a:buFont typeface="Arial" panose="020B0604020202020204" pitchFamily="34" charset="0"/>
-              <a:buNone/>
-              <a:defRPr sz="1600" kern="1200">
-                <a:solidFill>
-                  <a:schemeClr val="tx1"/>
-                </a:solidFill>
-                <a:latin typeface="+mn-lt"/>
-                <a:ea typeface="+mn-ea"/>
-                <a:cs typeface="+mn-cs"/>
-              </a:defRPr>
-            </a:lvl9pPr>
-          </a:lstStyle>
-          <a:p>
-            <a:r>
-              <a:rPr lang="de-DE" sz="1000" dirty="0"/>
-              <a:t>   3306</a:t>
-            </a:r>
-          </a:p>
-        </p:txBody>
-      </p:sp>
-      <p:sp>
-        <p:nvSpPr>
-          <p:cNvPr id="12" name="Untertitel 2">
-            <a:extLst>
-              <a:ext uri="{FF2B5EF4-FFF2-40B4-BE49-F238E27FC236}">
-                <a16:creationId xmlns:a16="http://schemas.microsoft.com/office/drawing/2014/main" id="{FEAD8537-3FD8-56EA-85FB-F3158B19E059}"/>
-              </a:ext>
-            </a:extLst>
-          </p:cNvPr>
-          <p:cNvSpPr txBox="1">
-            <a:spLocks/>
-          </p:cNvSpPr>
-          <p:nvPr/>
-        </p:nvSpPr>
-        <p:spPr>
-          <a:xfrm>
-            <a:off x="10272344" y="1476987"/>
-            <a:ext cx="690197" cy="213822"/>
-          </a:xfrm>
-          <a:prstGeom prst="rect">
-            <a:avLst/>
-          </a:prstGeom>
-        </p:spPr>
-        <p:txBody>
-          <a:bodyPr vert="horz" lIns="91440" tIns="45720" rIns="91440" bIns="45720" rtlCol="0">
-            <a:normAutofit fontScale="92500" lnSpcReduction="10000"/>
-          </a:bodyPr>
-          <a:lstStyle>
-            <a:lvl1pPr marL="0" indent="0" algn="ctr" defTabSz="914400" rtl="0" eaLnBrk="1" latinLnBrk="0" hangingPunct="1">
-              <a:lnSpc>
-                <a:spcPct val="90000"/>
-              </a:lnSpc>
-              <a:spcBef>
-                <a:spcPts val="1000"/>
-              </a:spcBef>
-              <a:buFont typeface="Arial" panose="020B0604020202020204" pitchFamily="34" charset="0"/>
-              <a:buNone/>
-              <a:defRPr sz="2400" kern="1200">
-                <a:solidFill>
-                  <a:schemeClr val="tx1"/>
-                </a:solidFill>
-                <a:latin typeface="+mn-lt"/>
-                <a:ea typeface="+mn-ea"/>
-                <a:cs typeface="+mn-cs"/>
-              </a:defRPr>
-            </a:lvl1pPr>
-            <a:lvl2pPr marL="457200" indent="0" algn="ctr" defTabSz="914400" rtl="0" eaLnBrk="1" latinLnBrk="0" hangingPunct="1">
-              <a:lnSpc>
-                <a:spcPct val="90000"/>
-              </a:lnSpc>
-              <a:spcBef>
-                <a:spcPts val="500"/>
-              </a:spcBef>
-              <a:buFont typeface="Arial" panose="020B0604020202020204" pitchFamily="34" charset="0"/>
-              <a:buNone/>
-              <a:defRPr sz="2000" kern="1200">
-                <a:solidFill>
-                  <a:schemeClr val="tx1"/>
-                </a:solidFill>
-                <a:latin typeface="+mn-lt"/>
-                <a:ea typeface="+mn-ea"/>
-                <a:cs typeface="+mn-cs"/>
-              </a:defRPr>
-            </a:lvl2pPr>
-            <a:lvl3pPr marL="914400" indent="0" algn="ctr" defTabSz="914400" rtl="0" eaLnBrk="1" latinLnBrk="0" hangingPunct="1">
-              <a:lnSpc>
-                <a:spcPct val="90000"/>
-              </a:lnSpc>
-              <a:spcBef>
-                <a:spcPts val="500"/>
-              </a:spcBef>
-              <a:buFont typeface="Arial" panose="020B0604020202020204" pitchFamily="34" charset="0"/>
-              <a:buNone/>
-              <a:defRPr sz="1800" kern="1200">
-                <a:solidFill>
-                  <a:schemeClr val="tx1"/>
-                </a:solidFill>
-                <a:latin typeface="+mn-lt"/>
-                <a:ea typeface="+mn-ea"/>
-                <a:cs typeface="+mn-cs"/>
-              </a:defRPr>
-            </a:lvl3pPr>
-            <a:lvl4pPr marL="1371600" indent="0" algn="ctr" defTabSz="914400" rtl="0" eaLnBrk="1" latinLnBrk="0" hangingPunct="1">
-              <a:lnSpc>
-                <a:spcPct val="90000"/>
-              </a:lnSpc>
-              <a:spcBef>
-                <a:spcPts val="500"/>
-              </a:spcBef>
-              <a:buFont typeface="Arial" panose="020B0604020202020204" pitchFamily="34" charset="0"/>
-              <a:buNone/>
-              <a:defRPr sz="1600" kern="1200">
-                <a:solidFill>
-                  <a:schemeClr val="tx1"/>
-                </a:solidFill>
-                <a:latin typeface="+mn-lt"/>
-                <a:ea typeface="+mn-ea"/>
-                <a:cs typeface="+mn-cs"/>
-              </a:defRPr>
-            </a:lvl4pPr>
-            <a:lvl5pPr marL="1828800" indent="0" algn="ctr" defTabSz="914400" rtl="0" eaLnBrk="1" latinLnBrk="0" hangingPunct="1">
-              <a:lnSpc>
-                <a:spcPct val="90000"/>
-              </a:lnSpc>
-              <a:spcBef>
-                <a:spcPts val="500"/>
-              </a:spcBef>
-              <a:buFont typeface="Arial" panose="020B0604020202020204" pitchFamily="34" charset="0"/>
-              <a:buNone/>
-              <a:defRPr sz="1600" kern="1200">
-                <a:solidFill>
-                  <a:schemeClr val="tx1"/>
-                </a:solidFill>
-                <a:latin typeface="+mn-lt"/>
-                <a:ea typeface="+mn-ea"/>
-                <a:cs typeface="+mn-cs"/>
-              </a:defRPr>
-            </a:lvl5pPr>
-            <a:lvl6pPr marL="2286000" indent="0" algn="ctr" defTabSz="914400" rtl="0" eaLnBrk="1" latinLnBrk="0" hangingPunct="1">
-              <a:lnSpc>
-                <a:spcPct val="90000"/>
-              </a:lnSpc>
-              <a:spcBef>
-                <a:spcPts val="500"/>
-              </a:spcBef>
-              <a:buFont typeface="Arial" panose="020B0604020202020204" pitchFamily="34" charset="0"/>
-              <a:buNone/>
-              <a:defRPr sz="1600" kern="1200">
-                <a:solidFill>
-                  <a:schemeClr val="tx1"/>
-                </a:solidFill>
-                <a:latin typeface="+mn-lt"/>
-                <a:ea typeface="+mn-ea"/>
-                <a:cs typeface="+mn-cs"/>
-              </a:defRPr>
-            </a:lvl6pPr>
-            <a:lvl7pPr marL="2743200" indent="0" algn="ctr" defTabSz="914400" rtl="0" eaLnBrk="1" latinLnBrk="0" hangingPunct="1">
-              <a:lnSpc>
-                <a:spcPct val="90000"/>
-              </a:lnSpc>
-              <a:spcBef>
-                <a:spcPts val="500"/>
-              </a:spcBef>
-              <a:buFont typeface="Arial" panose="020B0604020202020204" pitchFamily="34" charset="0"/>
-              <a:buNone/>
-              <a:defRPr sz="1600" kern="1200">
-                <a:solidFill>
-                  <a:schemeClr val="tx1"/>
-                </a:solidFill>
-                <a:latin typeface="+mn-lt"/>
-                <a:ea typeface="+mn-ea"/>
-                <a:cs typeface="+mn-cs"/>
-              </a:defRPr>
-            </a:lvl7pPr>
-            <a:lvl8pPr marL="3200400" indent="0" algn="ctr" defTabSz="914400" rtl="0" eaLnBrk="1" latinLnBrk="0" hangingPunct="1">
-              <a:lnSpc>
-                <a:spcPct val="90000"/>
-              </a:lnSpc>
-              <a:spcBef>
-                <a:spcPts val="500"/>
-              </a:spcBef>
-              <a:buFont typeface="Arial" panose="020B0604020202020204" pitchFamily="34" charset="0"/>
-              <a:buNone/>
-              <a:defRPr sz="1600" kern="1200">
-                <a:solidFill>
-                  <a:schemeClr val="tx1"/>
-                </a:solidFill>
-                <a:latin typeface="+mn-lt"/>
-                <a:ea typeface="+mn-ea"/>
-                <a:cs typeface="+mn-cs"/>
-              </a:defRPr>
-            </a:lvl8pPr>
-            <a:lvl9pPr marL="3657600" indent="0" algn="ctr" defTabSz="914400" rtl="0" eaLnBrk="1" latinLnBrk="0" hangingPunct="1">
-              <a:lnSpc>
-                <a:spcPct val="90000"/>
-              </a:lnSpc>
-              <a:spcBef>
-                <a:spcPts val="500"/>
-              </a:spcBef>
-              <a:buFont typeface="Arial" panose="020B0604020202020204" pitchFamily="34" charset="0"/>
-              <a:buNone/>
-              <a:defRPr sz="1600" kern="1200">
-                <a:solidFill>
-                  <a:schemeClr val="tx1"/>
-                </a:solidFill>
-                <a:latin typeface="+mn-lt"/>
-                <a:ea typeface="+mn-ea"/>
-                <a:cs typeface="+mn-cs"/>
-              </a:defRPr>
-            </a:lvl9pPr>
-          </a:lstStyle>
-          <a:p>
-            <a:r>
-              <a:rPr lang="de-DE" sz="1000" dirty="0"/>
-              <a:t>   3406</a:t>
-            </a:r>
-          </a:p>
-        </p:txBody>
-      </p:sp>
-      <p:sp>
-        <p:nvSpPr>
-          <p:cNvPr id="13" name="Untertitel 2">
-            <a:extLst>
-              <a:ext uri="{FF2B5EF4-FFF2-40B4-BE49-F238E27FC236}">
-                <a16:creationId xmlns:a16="http://schemas.microsoft.com/office/drawing/2014/main" id="{81048B22-D2B0-3757-79A8-B20FE42885CF}"/>
-              </a:ext>
-            </a:extLst>
-          </p:cNvPr>
-          <p:cNvSpPr txBox="1">
-            <a:spLocks/>
-          </p:cNvSpPr>
-          <p:nvPr/>
-        </p:nvSpPr>
-        <p:spPr>
-          <a:xfrm>
-            <a:off x="4668712" y="5190147"/>
-            <a:ext cx="690197" cy="213822"/>
-          </a:xfrm>
-          <a:prstGeom prst="rect">
-            <a:avLst/>
-          </a:prstGeom>
-        </p:spPr>
-        <p:txBody>
-          <a:bodyPr vert="horz" lIns="91440" tIns="45720" rIns="91440" bIns="45720" rtlCol="0">
-            <a:normAutofit fontScale="92500" lnSpcReduction="10000"/>
-          </a:bodyPr>
-          <a:lstStyle>
-            <a:lvl1pPr marL="0" indent="0" algn="ctr" defTabSz="914400" rtl="0" eaLnBrk="1" latinLnBrk="0" hangingPunct="1">
-              <a:lnSpc>
-                <a:spcPct val="90000"/>
-              </a:lnSpc>
-              <a:spcBef>
-                <a:spcPts val="1000"/>
-              </a:spcBef>
-              <a:buFont typeface="Arial" panose="020B0604020202020204" pitchFamily="34" charset="0"/>
-              <a:buNone/>
-              <a:defRPr sz="2400" kern="1200">
-                <a:solidFill>
-                  <a:schemeClr val="tx1"/>
-                </a:solidFill>
-                <a:latin typeface="+mn-lt"/>
-                <a:ea typeface="+mn-ea"/>
-                <a:cs typeface="+mn-cs"/>
-              </a:defRPr>
-            </a:lvl1pPr>
-            <a:lvl2pPr marL="457200" indent="0" algn="ctr" defTabSz="914400" rtl="0" eaLnBrk="1" latinLnBrk="0" hangingPunct="1">
-              <a:lnSpc>
-                <a:spcPct val="90000"/>
-              </a:lnSpc>
-              <a:spcBef>
-                <a:spcPts val="500"/>
-              </a:spcBef>
-              <a:buFont typeface="Arial" panose="020B0604020202020204" pitchFamily="34" charset="0"/>
-              <a:buNone/>
-              <a:defRPr sz="2000" kern="1200">
-                <a:solidFill>
-                  <a:schemeClr val="tx1"/>
-                </a:solidFill>
-                <a:latin typeface="+mn-lt"/>
-                <a:ea typeface="+mn-ea"/>
-                <a:cs typeface="+mn-cs"/>
-              </a:defRPr>
-            </a:lvl2pPr>
-            <a:lvl3pPr marL="914400" indent="0" algn="ctr" defTabSz="914400" rtl="0" eaLnBrk="1" latinLnBrk="0" hangingPunct="1">
-              <a:lnSpc>
-                <a:spcPct val="90000"/>
-              </a:lnSpc>
-              <a:spcBef>
-                <a:spcPts val="500"/>
-              </a:spcBef>
-              <a:buFont typeface="Arial" panose="020B0604020202020204" pitchFamily="34" charset="0"/>
-              <a:buNone/>
-              <a:defRPr sz="1800" kern="1200">
-                <a:solidFill>
-                  <a:schemeClr val="tx1"/>
-                </a:solidFill>
-                <a:latin typeface="+mn-lt"/>
-                <a:ea typeface="+mn-ea"/>
-                <a:cs typeface="+mn-cs"/>
-              </a:defRPr>
-            </a:lvl3pPr>
-            <a:lvl4pPr marL="1371600" indent="0" algn="ctr" defTabSz="914400" rtl="0" eaLnBrk="1" latinLnBrk="0" hangingPunct="1">
-              <a:lnSpc>
-                <a:spcPct val="90000"/>
-              </a:lnSpc>
-              <a:spcBef>
-                <a:spcPts val="500"/>
-              </a:spcBef>
-              <a:buFont typeface="Arial" panose="020B0604020202020204" pitchFamily="34" charset="0"/>
-              <a:buNone/>
-              <a:defRPr sz="1600" kern="1200">
-                <a:solidFill>
-                  <a:schemeClr val="tx1"/>
-                </a:solidFill>
-                <a:latin typeface="+mn-lt"/>
-                <a:ea typeface="+mn-ea"/>
-                <a:cs typeface="+mn-cs"/>
-              </a:defRPr>
-            </a:lvl4pPr>
-            <a:lvl5pPr marL="1828800" indent="0" algn="ctr" defTabSz="914400" rtl="0" eaLnBrk="1" latinLnBrk="0" hangingPunct="1">
-              <a:lnSpc>
-                <a:spcPct val="90000"/>
-              </a:lnSpc>
-              <a:spcBef>
-                <a:spcPts val="500"/>
-              </a:spcBef>
-              <a:buFont typeface="Arial" panose="020B0604020202020204" pitchFamily="34" charset="0"/>
-              <a:buNone/>
-              <a:defRPr sz="1600" kern="1200">
-                <a:solidFill>
-                  <a:schemeClr val="tx1"/>
-                </a:solidFill>
-                <a:latin typeface="+mn-lt"/>
-                <a:ea typeface="+mn-ea"/>
-                <a:cs typeface="+mn-cs"/>
-              </a:defRPr>
-            </a:lvl5pPr>
-            <a:lvl6pPr marL="2286000" indent="0" algn="ctr" defTabSz="914400" rtl="0" eaLnBrk="1" latinLnBrk="0" hangingPunct="1">
-              <a:lnSpc>
-                <a:spcPct val="90000"/>
-              </a:lnSpc>
-              <a:spcBef>
-                <a:spcPts val="500"/>
-              </a:spcBef>
-              <a:buFont typeface="Arial" panose="020B0604020202020204" pitchFamily="34" charset="0"/>
-              <a:buNone/>
-              <a:defRPr sz="1600" kern="1200">
-                <a:solidFill>
-                  <a:schemeClr val="tx1"/>
-                </a:solidFill>
-                <a:latin typeface="+mn-lt"/>
-                <a:ea typeface="+mn-ea"/>
-                <a:cs typeface="+mn-cs"/>
-              </a:defRPr>
-            </a:lvl6pPr>
-            <a:lvl7pPr marL="2743200" indent="0" algn="ctr" defTabSz="914400" rtl="0" eaLnBrk="1" latinLnBrk="0" hangingPunct="1">
-              <a:lnSpc>
-                <a:spcPct val="90000"/>
-              </a:lnSpc>
-              <a:spcBef>
-                <a:spcPts val="500"/>
-              </a:spcBef>
-              <a:buFont typeface="Arial" panose="020B0604020202020204" pitchFamily="34" charset="0"/>
-              <a:buNone/>
-              <a:defRPr sz="1600" kern="1200">
-                <a:solidFill>
-                  <a:schemeClr val="tx1"/>
-                </a:solidFill>
-                <a:latin typeface="+mn-lt"/>
-                <a:ea typeface="+mn-ea"/>
-                <a:cs typeface="+mn-cs"/>
-              </a:defRPr>
-            </a:lvl7pPr>
-            <a:lvl8pPr marL="3200400" indent="0" algn="ctr" defTabSz="914400" rtl="0" eaLnBrk="1" latinLnBrk="0" hangingPunct="1">
-              <a:lnSpc>
-                <a:spcPct val="90000"/>
-              </a:lnSpc>
-              <a:spcBef>
-                <a:spcPts val="500"/>
-              </a:spcBef>
-              <a:buFont typeface="Arial" panose="020B0604020202020204" pitchFamily="34" charset="0"/>
-              <a:buNone/>
-              <a:defRPr sz="1600" kern="1200">
-                <a:solidFill>
-                  <a:schemeClr val="tx1"/>
-                </a:solidFill>
-                <a:latin typeface="+mn-lt"/>
-                <a:ea typeface="+mn-ea"/>
-                <a:cs typeface="+mn-cs"/>
-              </a:defRPr>
-            </a:lvl8pPr>
-            <a:lvl9pPr marL="3657600" indent="0" algn="ctr" defTabSz="914400" rtl="0" eaLnBrk="1" latinLnBrk="0" hangingPunct="1">
-              <a:lnSpc>
-                <a:spcPct val="90000"/>
-              </a:lnSpc>
-              <a:spcBef>
-                <a:spcPts val="500"/>
-              </a:spcBef>
-              <a:buFont typeface="Arial" panose="020B0604020202020204" pitchFamily="34" charset="0"/>
-              <a:buNone/>
-              <a:defRPr sz="1600" kern="1200">
-                <a:solidFill>
-                  <a:schemeClr val="tx1"/>
-                </a:solidFill>
-                <a:latin typeface="+mn-lt"/>
-                <a:ea typeface="+mn-ea"/>
-                <a:cs typeface="+mn-cs"/>
-              </a:defRPr>
-            </a:lvl9pPr>
-          </a:lstStyle>
-          <a:p>
-            <a:r>
-              <a:rPr lang="de-DE" sz="1000" dirty="0"/>
-              <a:t>   </a:t>
-            </a:r>
-            <a:r>
-              <a:rPr lang="de-DE" sz="1000" dirty="0" err="1"/>
-              <a:t>localHost</a:t>
-            </a:r>
-            <a:endParaRPr lang="de-DE" sz="1000" dirty="0"/>
-          </a:p>
-        </p:txBody>
-      </p:sp>
-      <p:sp>
-        <p:nvSpPr>
-          <p:cNvPr id="14" name="Rechteck 12">
-            <a:extLst>
-              <a:ext uri="{FF2B5EF4-FFF2-40B4-BE49-F238E27FC236}">
-                <a16:creationId xmlns:a16="http://schemas.microsoft.com/office/drawing/2014/main" id="{C386DE32-954A-584E-0920-963C3F127B55}"/>
+                <a16:creationId xmlns:a16="http://schemas.microsoft.com/office/drawing/2014/main" id="{7CD8BD23-7DCF-B38C-156C-4446AAADB078}"/>
               </a:ext>
             </a:extLst>
           </p:cNvPr>
@@ -5868,9 +4642,9 @@
           <p:nvPr/>
         </p:nvSpPr>
         <p:spPr>
-          <a:xfrm flipH="1">
-            <a:off x="5868851" y="5083844"/>
-            <a:ext cx="474793" cy="426427"/>
+          <a:xfrm>
+            <a:off x="5992953" y="4155240"/>
+            <a:ext cx="1787770" cy="761184"/>
           </a:xfrm>
           <a:prstGeom prst="rect">
             <a:avLst/>
@@ -5895,253 +4669,10 @@
           <a:lstStyle/>
           <a:p>
             <a:pPr algn="ctr"/>
-            <a:endParaRPr lang="de-DE" sz="1000" dirty="0"/>
-          </a:p>
-        </p:txBody>
-      </p:sp>
-      <p:sp>
-        <p:nvSpPr>
-          <p:cNvPr id="15" name="Rechteck 13">
-            <a:extLst>
-              <a:ext uri="{FF2B5EF4-FFF2-40B4-BE49-F238E27FC236}">
-                <a16:creationId xmlns:a16="http://schemas.microsoft.com/office/drawing/2014/main" id="{06C72841-2BE7-9BEA-3B4C-79626751ABD2}"/>
-              </a:ext>
-            </a:extLst>
-          </p:cNvPr>
-          <p:cNvSpPr/>
-          <p:nvPr/>
-        </p:nvSpPr>
-        <p:spPr>
-          <a:xfrm flipH="1">
-            <a:off x="7148137" y="5083844"/>
-            <a:ext cx="474793" cy="426427"/>
-          </a:xfrm>
-          <a:prstGeom prst="rect">
-            <a:avLst/>
-          </a:prstGeom>
-        </p:spPr>
-        <p:style>
-          <a:lnRef idx="2">
-            <a:schemeClr val="dk1"/>
-          </a:lnRef>
-          <a:fillRef idx="1">
-            <a:schemeClr val="lt1"/>
-          </a:fillRef>
-          <a:effectRef idx="0">
-            <a:schemeClr val="dk1"/>
-          </a:effectRef>
-          <a:fontRef idx="minor">
-            <a:schemeClr val="dk1"/>
-          </a:fontRef>
-        </p:style>
-        <p:txBody>
-          <a:bodyPr rtlCol="0" anchor="ctr"/>
-          <a:lstStyle/>
-          <a:p>
-            <a:pPr algn="ctr"/>
-            <a:endParaRPr lang="de-DE" sz="1000" dirty="0"/>
-          </a:p>
-        </p:txBody>
-      </p:sp>
-      <p:sp>
-        <p:nvSpPr>
-          <p:cNvPr id="16" name="Textfeld 14">
-            <a:extLst>
-              <a:ext uri="{FF2B5EF4-FFF2-40B4-BE49-F238E27FC236}">
-                <a16:creationId xmlns:a16="http://schemas.microsoft.com/office/drawing/2014/main" id="{0C969BF1-3E10-07FC-0CB0-CCA868C43EE1}"/>
-              </a:ext>
-            </a:extLst>
-          </p:cNvPr>
-          <p:cNvSpPr txBox="1"/>
-          <p:nvPr/>
-        </p:nvSpPr>
-        <p:spPr>
-          <a:xfrm>
-            <a:off x="1190785" y="2254897"/>
-            <a:ext cx="1599605" cy="369332"/>
-          </a:xfrm>
-          <a:prstGeom prst="rect">
-            <a:avLst/>
-          </a:prstGeom>
-          <a:noFill/>
-        </p:spPr>
-        <p:txBody>
-          <a:bodyPr wrap="none" rtlCol="0">
-            <a:spAutoFit/>
-          </a:bodyPr>
-          <a:lstStyle/>
-          <a:p>
-            <a:r>
-              <a:rPr lang="de-DE" dirty="0" err="1"/>
-              <a:t>Your</a:t>
-            </a:r>
             <a:r>
               <a:rPr lang="de-DE" dirty="0"/>
-              <a:t> Computer</a:t>
-            </a:r>
-          </a:p>
-        </p:txBody>
-      </p:sp>
-      <p:sp>
-        <p:nvSpPr>
-          <p:cNvPr id="17" name="Rectangle 1">
-            <a:extLst>
-              <a:ext uri="{FF2B5EF4-FFF2-40B4-BE49-F238E27FC236}">
-                <a16:creationId xmlns:a16="http://schemas.microsoft.com/office/drawing/2014/main" id="{04CA8AB4-5690-6824-0E7B-3A00C4BF9E68}"/>
-              </a:ext>
-            </a:extLst>
-          </p:cNvPr>
-          <p:cNvSpPr>
-            <a:spLocks noChangeArrowheads="1"/>
-          </p:cNvSpPr>
-          <p:nvPr/>
-        </p:nvSpPr>
-        <p:spPr bwMode="auto">
-          <a:xfrm>
-            <a:off x="175846" y="6315055"/>
-            <a:ext cx="65" cy="276999"/>
-          </a:xfrm>
-          <a:prstGeom prst="rect">
-            <a:avLst/>
-          </a:prstGeom>
-          <a:solidFill>
-            <a:srgbClr val="FFFFFF"/>
-          </a:solidFill>
-          <a:ln>
-            <a:noFill/>
-          </a:ln>
-          <a:effectLst/>
-          <a:extLst>
-            <a:ext uri="{91240B29-F687-4F45-9708-019B960494DF}">
-              <a14:hiddenLine xmlns:a14="http://schemas.microsoft.com/office/drawing/2010/main" w="9525">
-                <a:solidFill>
-                  <a:schemeClr val="tx1"/>
-                </a:solidFill>
-                <a:miter lim="800000"/>
-                <a:headEnd/>
-                <a:tailEnd/>
-              </a14:hiddenLine>
-            </a:ext>
-            <a:ext uri="{AF507438-7753-43E0-B8FC-AC1667EBCBE1}">
-              <a14:hiddenEffects xmlns:a14="http://schemas.microsoft.com/office/drawing/2010/main">
-                <a:effectLst>
-                  <a:outerShdw dist="35921" dir="2700000" algn="ctr" rotWithShape="0">
-                    <a:schemeClr val="bg2"/>
-                  </a:outerShdw>
-                </a:effectLst>
-              </a14:hiddenEffects>
-            </a:ext>
-          </a:extLst>
-        </p:spPr>
-        <p:txBody>
-          <a:bodyPr vert="horz" wrap="none" lIns="0" tIns="0" rIns="0" bIns="0" numCol="1" anchor="ctr" anchorCtr="0" compatLnSpc="1">
-            <a:prstTxWarp prst="textNoShape">
-              <a:avLst/>
-            </a:prstTxWarp>
-            <a:spAutoFit/>
-          </a:bodyPr>
-          <a:lstStyle/>
-          <a:p>
-            <a:pPr marL="0" marR="0" lvl="0" indent="0" algn="l" defTabSz="914400" rtl="0" eaLnBrk="0" fontAlgn="base" latinLnBrk="0" hangingPunct="0">
-              <a:lnSpc>
-                <a:spcPct val="100000"/>
-              </a:lnSpc>
-              <a:spcBef>
-                <a:spcPct val="0"/>
-              </a:spcBef>
-              <a:spcAft>
-                <a:spcPct val="0"/>
-              </a:spcAft>
-              <a:buClrTx/>
-              <a:buSzTx/>
-              <a:buFontTx/>
-              <a:buNone/>
-              <a:tabLst/>
-            </a:pPr>
-            <a:endParaRPr kumimoji="0" lang="de-DE" altLang="de-DE" sz="1800" b="0" i="0" u="none" strike="noStrike" cap="none" normalizeH="0" baseline="0" dirty="0">
-              <a:ln>
-                <a:noFill/>
-              </a:ln>
-              <a:solidFill>
-                <a:schemeClr val="tx1"/>
-              </a:solidFill>
-              <a:effectLst/>
-              <a:latin typeface="Arial" panose="020B0604020202020204" pitchFamily="34" charset="0"/>
-            </a:endParaRPr>
-          </a:p>
-        </p:txBody>
-      </p:sp>
-      <p:sp>
-        <p:nvSpPr>
-          <p:cNvPr id="18" name="Rechteck 18">
-            <a:extLst>
-              <a:ext uri="{FF2B5EF4-FFF2-40B4-BE49-F238E27FC236}">
-                <a16:creationId xmlns:a16="http://schemas.microsoft.com/office/drawing/2014/main" id="{E0BD25FA-5B00-6493-F8FE-431C72F2A2B4}"/>
-              </a:ext>
-            </a:extLst>
-          </p:cNvPr>
-          <p:cNvSpPr/>
-          <p:nvPr/>
-        </p:nvSpPr>
-        <p:spPr>
-          <a:xfrm>
-            <a:off x="354620" y="5769343"/>
-            <a:ext cx="6096000" cy="400110"/>
-          </a:xfrm>
-          <a:prstGeom prst="rect">
-            <a:avLst/>
-          </a:prstGeom>
-        </p:spPr>
-        <p:txBody>
-          <a:bodyPr>
-            <a:spAutoFit/>
-          </a:bodyPr>
-          <a:lstStyle/>
-          <a:p>
-            <a:r>
-              <a:rPr lang="de-DE" sz="1000" dirty="0" err="1"/>
-              <a:t>docker</a:t>
-            </a:r>
-            <a:r>
-              <a:rPr lang="de-DE" sz="1000" dirty="0"/>
-              <a:t> </a:t>
-            </a:r>
-            <a:r>
-              <a:rPr lang="de-DE" sz="1000" dirty="0" err="1"/>
-              <a:t>run</a:t>
-            </a:r>
-            <a:r>
-              <a:rPr lang="de-DE" sz="1000" dirty="0"/>
-              <a:t> -d -p 3406:3306 --name </a:t>
-            </a:r>
-            <a:r>
-              <a:rPr lang="de-DE" sz="1000" dirty="0" err="1"/>
-              <a:t>db</a:t>
-            </a:r>
-            <a:r>
-              <a:rPr lang="de-DE" sz="1000" dirty="0"/>
-              <a:t> ollyw123/</a:t>
-            </a:r>
-            <a:r>
-              <a:rPr lang="de-DE" sz="1000" dirty="0" err="1"/>
-              <a:t>shape-shop-db:latest</a:t>
-            </a:r>
-            <a:endParaRPr lang="de-DE" sz="1000" dirty="0"/>
-          </a:p>
-          <a:p>
-            <a:r>
-              <a:rPr lang="de-DE" sz="1000" dirty="0" err="1"/>
-              <a:t>jdbc:mysql</a:t>
-            </a:r>
-            <a:r>
-              <a:rPr lang="de-DE" sz="1000" dirty="0"/>
-              <a:t>://localhost:3406/</a:t>
-            </a:r>
-            <a:r>
-              <a:rPr lang="de-DE" sz="1000" dirty="0" err="1"/>
-              <a:t>db</a:t>
-            </a:r>
-            <a:endParaRPr lang="de-DE" sz="1000" dirty="0"/>
+              <a:t>Storage Account</a:t>
+            </a:r>
           </a:p>
         </p:txBody>
       </p:sp>
